--- a/outputs/generated_slides.pptx
+++ b/outputs/generated_slides.pptx
@@ -32,6 +32,11 @@
     <p:sldId id="279" r:id="rId28"/>
     <p:sldId id="280" r:id="rId29"/>
     <p:sldId id="281" r:id="rId30"/>
+    <p:sldId id="282" r:id="rId31"/>
+    <p:sldId id="283" r:id="rId32"/>
+    <p:sldId id="284" r:id="rId33"/>
+    <p:sldId id="285" r:id="rId34"/>
+    <p:sldId id="286" r:id="rId35"/>
   </p:sldIdLst>
   <p:sldSz cx="12192000" cy="6858000"/>
   <p:notesSz cx="12192000" cy="6858000"/>
@@ -31644,6 +31649,5477 @@
 </p:sld>
 </file>
 
+<file path=ppt/slides/slide25.xml><?xml version="1.0" encoding="utf-8"?>
+<p:sld xmlns:a="http://schemas.openxmlformats.org/drawingml/2006/main" xmlns:r="http://schemas.openxmlformats.org/officeDocument/2006/relationships" xmlns:p="http://schemas.openxmlformats.org/presentationml/2006/main">
+  <p:cSld>
+    <p:spTree>
+      <p:nvGrpSpPr>
+        <p:cNvPr id="1" name=""/>
+        <p:cNvGrpSpPr/>
+        <p:nvPr/>
+      </p:nvGrpSpPr>
+      <p:grpSpPr>
+        <a:xfrm>
+          <a:off x="0" y="0"/>
+          <a:ext cx="0" cy="0"/>
+          <a:chOff x="0" y="0"/>
+          <a:chExt cx="0" cy="0"/>
+        </a:xfrm>
+      </p:grpSpPr>
+      <p:sp>
+        <p:nvSpPr>
+          <p:cNvPr id="2" name=""/>
+          <p:cNvSpPr>
+            <a:spLocks noGrp="1"/>
+          </p:cNvSpPr>
+          <p:nvPr>
+            <p:ph/>
+          </p:nvPr>
+        </p:nvSpPr>
+        <p:spPr>
+          <a:xfrm>
+            <a:off x="365760" y="182880"/>
+            <a:ext cx="11277600" cy="731520"/>
+          </a:xfrm>
+        </p:spPr>
+        <p:txBody>
+          <a:bodyPr/>
+          <a:lstStyle/>
+          <a:p>
+            <a:pPr algn="l" marL="0" marR="0">
+              <a:lnSpc>
+                <a:spcPct val="100000"/>
+              </a:lnSpc>
+              <a:spcBef>
+                <a:spcPts val="0"/>
+              </a:spcBef>
+              <a:spcAft>
+                <a:spcPts val="0"/>
+              </a:spcAft>
+              <a:buNone/>
+            </a:pPr>
+            <a:r>
+              <a:rPr cap="none" sz="2800" i="0" b="1" u="none">
+                <a:solidFill>
+                  <a:srgbClr val="323233">
+                    <a:alpha val="100000"/>
+                  </a:srgbClr>
+                </a:solidFill>
+                <a:latin typeface="Arial"/>
+                <a:cs typeface="Arial"/>
+                <a:ea typeface="Arial"/>
+                <a:sym typeface="Arial"/>
+              </a:rPr>
+              <a:t>CURRENT SAMPLE</a:t>
+            </a:r>
+          </a:p>
+        </p:txBody>
+      </p:sp>
+      <p:grpSp xmlns:pic="http://schemas.openxmlformats.org/drawingml/2006/picture">
+        <p:nvGrpSpPr>
+          <p:cNvPr id="3" name=""/>
+          <p:cNvGrpSpPr/>
+          <p:nvPr/>
+        </p:nvGrpSpPr>
+        <p:grpSpPr>
+          <a:xfrm>
+            <a:off x="0" y="914400"/>
+            <a:ext cx="12192000" cy="5577840"/>
+            <a:chOff x="0" y="914400"/>
+            <a:chExt cx="12192000" cy="5577840"/>
+          </a:xfrm>
+        </p:grpSpPr>
+        <p:sp>
+          <p:nvSpPr>
+            <p:cNvPr id="4" name="pl3"/>
+            <p:cNvSpPr/>
+            <p:nvPr/>
+          </p:nvSpPr>
+          <p:spPr>
+            <a:xfrm>
+              <a:off x="0" y="3703320"/>
+              <a:ext cx="12192000" cy="0"/>
+            </a:xfrm>
+            <a:custGeom>
+              <a:avLst/>
+              <a:pathLst>
+                <a:path w="12192000" h="0">
+                  <a:moveTo>
+                    <a:pt x="0" y="0"/>
+                  </a:moveTo>
+                  <a:lnTo>
+                    <a:pt x="12192000" y="0"/>
+                  </a:lnTo>
+                </a:path>
+              </a:pathLst>
+            </a:custGeom>
+            <a:ln w="27101" cap="flat">
+              <a:solidFill>
+                <a:srgbClr val="FFFFFF">
+                  <a:alpha val="100000"/>
+                </a:srgbClr>
+              </a:solidFill>
+              <a:prstDash val="solid"/>
+              <a:round/>
+            </a:ln>
+          </p:spPr>
+          <p:txBody>
+            <a:bodyPr/>
+            <a:lstStyle/>
+            <a:p/>
+          </p:txBody>
+        </p:sp>
+        <p:sp>
+          <p:nvSpPr>
+            <p:cNvPr id="5" name="pt4"/>
+            <p:cNvSpPr/>
+            <p:nvPr/>
+          </p:nvSpPr>
+          <p:spPr>
+            <a:xfrm>
+              <a:off x="148096" y="3143295"/>
+              <a:ext cx="1120050" cy="1120050"/>
+            </a:xfrm>
+            <a:prstGeom prst="ellipse">
+              <a:avLst/>
+            </a:prstGeom>
+            <a:solidFill>
+              <a:srgbClr val="FFFFFF">
+                <a:alpha val="100000"/>
+              </a:srgbClr>
+            </a:solidFill>
+            <a:ln w="36000" cap="rnd">
+              <a:solidFill>
+                <a:srgbClr val="01A3A2">
+                  <a:alpha val="100000"/>
+                </a:srgbClr>
+              </a:solidFill>
+              <a:prstDash val="solid"/>
+              <a:round/>
+            </a:ln>
+          </p:spPr>
+          <p:txBody>
+            <a:bodyPr/>
+            <a:lstStyle/>
+            <a:p/>
+          </p:txBody>
+        </p:sp>
+        <p:sp>
+          <p:nvSpPr>
+            <p:cNvPr id="6" name="pt5"/>
+            <p:cNvSpPr/>
+            <p:nvPr/>
+          </p:nvSpPr>
+          <p:spPr>
+            <a:xfrm>
+              <a:off x="1687490" y="3143295"/>
+              <a:ext cx="1120050" cy="1120050"/>
+            </a:xfrm>
+            <a:prstGeom prst="ellipse">
+              <a:avLst/>
+            </a:prstGeom>
+            <a:solidFill>
+              <a:srgbClr val="FFFFFF">
+                <a:alpha val="100000"/>
+              </a:srgbClr>
+            </a:solidFill>
+            <a:ln w="36000" cap="rnd">
+              <a:solidFill>
+                <a:srgbClr val="01A3A2">
+                  <a:alpha val="100000"/>
+                </a:srgbClr>
+              </a:solidFill>
+              <a:prstDash val="solid"/>
+              <a:round/>
+            </a:ln>
+          </p:spPr>
+          <p:txBody>
+            <a:bodyPr/>
+            <a:lstStyle/>
+            <a:p/>
+          </p:txBody>
+        </p:sp>
+        <p:sp>
+          <p:nvSpPr>
+            <p:cNvPr id="7" name="pt6"/>
+            <p:cNvSpPr/>
+            <p:nvPr/>
+          </p:nvSpPr>
+          <p:spPr>
+            <a:xfrm>
+              <a:off x="3226884" y="3143295"/>
+              <a:ext cx="1120050" cy="1120050"/>
+            </a:xfrm>
+            <a:prstGeom prst="ellipse">
+              <a:avLst/>
+            </a:prstGeom>
+            <a:solidFill>
+              <a:srgbClr val="FFFFFF">
+                <a:alpha val="100000"/>
+              </a:srgbClr>
+            </a:solidFill>
+            <a:ln w="36000" cap="rnd">
+              <a:solidFill>
+                <a:srgbClr val="01A3A2">
+                  <a:alpha val="100000"/>
+                </a:srgbClr>
+              </a:solidFill>
+              <a:prstDash val="solid"/>
+              <a:round/>
+            </a:ln>
+          </p:spPr>
+          <p:txBody>
+            <a:bodyPr/>
+            <a:lstStyle/>
+            <a:p/>
+          </p:txBody>
+        </p:sp>
+        <p:sp>
+          <p:nvSpPr>
+            <p:cNvPr id="8" name="pt7"/>
+            <p:cNvSpPr/>
+            <p:nvPr/>
+          </p:nvSpPr>
+          <p:spPr>
+            <a:xfrm>
+              <a:off x="4766278" y="3143295"/>
+              <a:ext cx="1120050" cy="1120050"/>
+            </a:xfrm>
+            <a:prstGeom prst="ellipse">
+              <a:avLst/>
+            </a:prstGeom>
+            <a:solidFill>
+              <a:srgbClr val="FFFFFF">
+                <a:alpha val="100000"/>
+              </a:srgbClr>
+            </a:solidFill>
+            <a:ln w="36000" cap="rnd">
+              <a:solidFill>
+                <a:srgbClr val="01A3A2">
+                  <a:alpha val="100000"/>
+                </a:srgbClr>
+              </a:solidFill>
+              <a:prstDash val="solid"/>
+              <a:round/>
+            </a:ln>
+          </p:spPr>
+          <p:txBody>
+            <a:bodyPr/>
+            <a:lstStyle/>
+            <a:p/>
+          </p:txBody>
+        </p:sp>
+        <p:sp>
+          <p:nvSpPr>
+            <p:cNvPr id="9" name="pt8"/>
+            <p:cNvSpPr/>
+            <p:nvPr/>
+          </p:nvSpPr>
+          <p:spPr>
+            <a:xfrm>
+              <a:off x="6305671" y="3143295"/>
+              <a:ext cx="1120050" cy="1120050"/>
+            </a:xfrm>
+            <a:prstGeom prst="ellipse">
+              <a:avLst/>
+            </a:prstGeom>
+            <a:solidFill>
+              <a:srgbClr val="FFFFFF">
+                <a:alpha val="100000"/>
+              </a:srgbClr>
+            </a:solidFill>
+            <a:ln w="36000" cap="rnd">
+              <a:solidFill>
+                <a:srgbClr val="01A3A2">
+                  <a:alpha val="100000"/>
+                </a:srgbClr>
+              </a:solidFill>
+              <a:prstDash val="solid"/>
+              <a:round/>
+            </a:ln>
+          </p:spPr>
+          <p:txBody>
+            <a:bodyPr/>
+            <a:lstStyle/>
+            <a:p/>
+          </p:txBody>
+        </p:sp>
+        <p:sp>
+          <p:nvSpPr>
+            <p:cNvPr id="10" name="pt9"/>
+            <p:cNvSpPr/>
+            <p:nvPr/>
+          </p:nvSpPr>
+          <p:spPr>
+            <a:xfrm>
+              <a:off x="7845065" y="3143295"/>
+              <a:ext cx="1120050" cy="1120050"/>
+            </a:xfrm>
+            <a:prstGeom prst="ellipse">
+              <a:avLst/>
+            </a:prstGeom>
+            <a:solidFill>
+              <a:srgbClr val="FFFFFF">
+                <a:alpha val="100000"/>
+              </a:srgbClr>
+            </a:solidFill>
+            <a:ln w="36000" cap="rnd">
+              <a:solidFill>
+                <a:srgbClr val="01A3A2">
+                  <a:alpha val="100000"/>
+                </a:srgbClr>
+              </a:solidFill>
+              <a:prstDash val="solid"/>
+              <a:round/>
+            </a:ln>
+          </p:spPr>
+          <p:txBody>
+            <a:bodyPr/>
+            <a:lstStyle/>
+            <a:p/>
+          </p:txBody>
+        </p:sp>
+        <p:sp>
+          <p:nvSpPr>
+            <p:cNvPr id="11" name="pt10"/>
+            <p:cNvSpPr/>
+            <p:nvPr/>
+          </p:nvSpPr>
+          <p:spPr>
+            <a:xfrm>
+              <a:off x="9384459" y="3143295"/>
+              <a:ext cx="1120050" cy="1120050"/>
+            </a:xfrm>
+            <a:prstGeom prst="ellipse">
+              <a:avLst/>
+            </a:prstGeom>
+            <a:solidFill>
+              <a:srgbClr val="FFFFFF">
+                <a:alpha val="100000"/>
+              </a:srgbClr>
+            </a:solidFill>
+            <a:ln w="36000" cap="rnd">
+              <a:solidFill>
+                <a:srgbClr val="01A3A2">
+                  <a:alpha val="100000"/>
+                </a:srgbClr>
+              </a:solidFill>
+              <a:prstDash val="solid"/>
+              <a:round/>
+            </a:ln>
+          </p:spPr>
+          <p:txBody>
+            <a:bodyPr/>
+            <a:lstStyle/>
+            <a:p/>
+          </p:txBody>
+        </p:sp>
+        <p:sp>
+          <p:nvSpPr>
+            <p:cNvPr id="12" name="pt11"/>
+            <p:cNvSpPr/>
+            <p:nvPr/>
+          </p:nvSpPr>
+          <p:spPr>
+            <a:xfrm>
+              <a:off x="10923853" y="3143295"/>
+              <a:ext cx="1120050" cy="1120050"/>
+            </a:xfrm>
+            <a:prstGeom prst="ellipse">
+              <a:avLst/>
+            </a:prstGeom>
+            <a:solidFill>
+              <a:srgbClr val="FFFFFF">
+                <a:alpha val="100000"/>
+              </a:srgbClr>
+            </a:solidFill>
+            <a:ln w="36000" cap="rnd">
+              <a:solidFill>
+                <a:srgbClr val="01A3A2">
+                  <a:alpha val="100000"/>
+                </a:srgbClr>
+              </a:solidFill>
+              <a:prstDash val="solid"/>
+              <a:round/>
+            </a:ln>
+          </p:spPr>
+          <p:txBody>
+            <a:bodyPr/>
+            <a:lstStyle/>
+            <a:p/>
+          </p:txBody>
+        </p:sp>
+        <p:sp>
+          <p:nvSpPr>
+            <p:cNvPr id="13" name="tx12"/>
+            <p:cNvSpPr/>
+            <p:nvPr/>
+          </p:nvSpPr>
+          <p:spPr>
+            <a:xfrm>
+              <a:off x="527252" y="3624255"/>
+              <a:ext cx="361738" cy="237718"/>
+            </a:xfrm>
+            <a:prstGeom prst="rect">
+              <a:avLst/>
+            </a:prstGeom>
+            <a:noFill/>
+          </p:spPr>
+          <p:txBody>
+            <a:bodyPr lIns="0" rIns="0" tIns="0" bIns="0" anchorCtr="1" anchor="ctr" wrap="none"/>
+            <a:lstStyle/>
+            <a:p>
+              <a:pPr algn="l" marL="0" marR="0" indent="0">
+                <a:lnSpc>
+                  <a:spcPts val="2560"/>
+                </a:lnSpc>
+                <a:spcBef>
+                  <a:spcPts val="0"/>
+                </a:spcBef>
+                <a:spcAft>
+                  <a:spcPts val="0"/>
+                </a:spcAft>
+              </a:pPr>
+              <a:r>
+                <a:rPr sz="2560" b="1">
+                  <a:solidFill>
+                    <a:srgbClr val="333232">
+                      <a:alpha val="100000"/>
+                    </a:srgbClr>
+                  </a:solidFill>
+                  <a:latin typeface="Arial"/>
+                  <a:cs typeface="Arial"/>
+                </a:rPr>
+                <a:t>40</a:t>
+              </a:r>
+            </a:p>
+          </p:txBody>
+        </p:sp>
+        <p:sp>
+          <p:nvSpPr>
+            <p:cNvPr id="14" name="tx13"/>
+            <p:cNvSpPr/>
+            <p:nvPr/>
+          </p:nvSpPr>
+          <p:spPr>
+            <a:xfrm>
+              <a:off x="2066646" y="3624255"/>
+              <a:ext cx="361738" cy="237718"/>
+            </a:xfrm>
+            <a:prstGeom prst="rect">
+              <a:avLst/>
+            </a:prstGeom>
+            <a:noFill/>
+          </p:spPr>
+          <p:txBody>
+            <a:bodyPr lIns="0" rIns="0" tIns="0" bIns="0" anchorCtr="1" anchor="ctr" wrap="none"/>
+            <a:lstStyle/>
+            <a:p>
+              <a:pPr algn="l" marL="0" marR="0" indent="0">
+                <a:lnSpc>
+                  <a:spcPts val="2560"/>
+                </a:lnSpc>
+                <a:spcBef>
+                  <a:spcPts val="0"/>
+                </a:spcBef>
+                <a:spcAft>
+                  <a:spcPts val="0"/>
+                </a:spcAft>
+              </a:pPr>
+              <a:r>
+                <a:rPr sz="2560" b="1">
+                  <a:solidFill>
+                    <a:srgbClr val="333232">
+                      <a:alpha val="100000"/>
+                    </a:srgbClr>
+                  </a:solidFill>
+                  <a:latin typeface="Arial"/>
+                  <a:cs typeface="Arial"/>
+                </a:rPr>
+                <a:t>43</a:t>
+              </a:r>
+            </a:p>
+          </p:txBody>
+        </p:sp>
+        <p:sp>
+          <p:nvSpPr>
+            <p:cNvPr id="15" name="tx14"/>
+            <p:cNvSpPr/>
+            <p:nvPr/>
+          </p:nvSpPr>
+          <p:spPr>
+            <a:xfrm>
+              <a:off x="3606040" y="3624097"/>
+              <a:ext cx="361738" cy="237876"/>
+            </a:xfrm>
+            <a:prstGeom prst="rect">
+              <a:avLst/>
+            </a:prstGeom>
+            <a:noFill/>
+          </p:spPr>
+          <p:txBody>
+            <a:bodyPr lIns="0" rIns="0" tIns="0" bIns="0" anchorCtr="1" anchor="ctr" wrap="none"/>
+            <a:lstStyle/>
+            <a:p>
+              <a:pPr algn="l" marL="0" marR="0" indent="0">
+                <a:lnSpc>
+                  <a:spcPts val="2560"/>
+                </a:lnSpc>
+                <a:spcBef>
+                  <a:spcPts val="0"/>
+                </a:spcBef>
+                <a:spcAft>
+                  <a:spcPts val="0"/>
+                </a:spcAft>
+              </a:pPr>
+              <a:r>
+                <a:rPr sz="2560" b="1">
+                  <a:solidFill>
+                    <a:srgbClr val="333232">
+                      <a:alpha val="100000"/>
+                    </a:srgbClr>
+                  </a:solidFill>
+                  <a:latin typeface="Arial"/>
+                  <a:cs typeface="Arial"/>
+                </a:rPr>
+                <a:t>49</a:t>
+              </a:r>
+            </a:p>
+          </p:txBody>
+        </p:sp>
+        <p:sp>
+          <p:nvSpPr>
+            <p:cNvPr id="16" name="tx15"/>
+            <p:cNvSpPr/>
+            <p:nvPr/>
+          </p:nvSpPr>
+          <p:spPr>
+            <a:xfrm>
+              <a:off x="5145433" y="3624255"/>
+              <a:ext cx="361738" cy="237718"/>
+            </a:xfrm>
+            <a:prstGeom prst="rect">
+              <a:avLst/>
+            </a:prstGeom>
+            <a:noFill/>
+          </p:spPr>
+          <p:txBody>
+            <a:bodyPr lIns="0" rIns="0" tIns="0" bIns="0" anchorCtr="1" anchor="ctr" wrap="none"/>
+            <a:lstStyle/>
+            <a:p>
+              <a:pPr algn="l" marL="0" marR="0" indent="0">
+                <a:lnSpc>
+                  <a:spcPts val="2560"/>
+                </a:lnSpc>
+                <a:spcBef>
+                  <a:spcPts val="0"/>
+                </a:spcBef>
+                <a:spcAft>
+                  <a:spcPts val="0"/>
+                </a:spcAft>
+              </a:pPr>
+              <a:r>
+                <a:rPr sz="2560" b="1">
+                  <a:solidFill>
+                    <a:srgbClr val="333232">
+                      <a:alpha val="100000"/>
+                    </a:srgbClr>
+                  </a:solidFill>
+                  <a:latin typeface="Arial"/>
+                  <a:cs typeface="Arial"/>
+                </a:rPr>
+                <a:t>46</a:t>
+              </a:r>
+            </a:p>
+          </p:txBody>
+        </p:sp>
+        <p:sp>
+          <p:nvSpPr>
+            <p:cNvPr id="17" name="tx16"/>
+            <p:cNvSpPr/>
+            <p:nvPr/>
+          </p:nvSpPr>
+          <p:spPr>
+            <a:xfrm>
+              <a:off x="6684827" y="3628225"/>
+              <a:ext cx="361738" cy="233748"/>
+            </a:xfrm>
+            <a:prstGeom prst="rect">
+              <a:avLst/>
+            </a:prstGeom>
+            <a:noFill/>
+          </p:spPr>
+          <p:txBody>
+            <a:bodyPr lIns="0" rIns="0" tIns="0" bIns="0" anchorCtr="1" anchor="ctr" wrap="none"/>
+            <a:lstStyle/>
+            <a:p>
+              <a:pPr algn="l" marL="0" marR="0" indent="0">
+                <a:lnSpc>
+                  <a:spcPts val="2560"/>
+                </a:lnSpc>
+                <a:spcBef>
+                  <a:spcPts val="0"/>
+                </a:spcBef>
+                <a:spcAft>
+                  <a:spcPts val="0"/>
+                </a:spcAft>
+              </a:pPr>
+              <a:r>
+                <a:rPr sz="2560" b="1">
+                  <a:solidFill>
+                    <a:srgbClr val="333232">
+                      <a:alpha val="100000"/>
+                    </a:srgbClr>
+                  </a:solidFill>
+                  <a:latin typeface="Arial"/>
+                  <a:cs typeface="Arial"/>
+                </a:rPr>
+                <a:t>24</a:t>
+              </a:r>
+            </a:p>
+          </p:txBody>
+        </p:sp>
+        <p:sp>
+          <p:nvSpPr>
+            <p:cNvPr id="18" name="tx17"/>
+            <p:cNvSpPr/>
+            <p:nvPr/>
+          </p:nvSpPr>
+          <p:spPr>
+            <a:xfrm>
+              <a:off x="8224221" y="3628384"/>
+              <a:ext cx="361738" cy="233589"/>
+            </a:xfrm>
+            <a:prstGeom prst="rect">
+              <a:avLst/>
+            </a:prstGeom>
+            <a:noFill/>
+          </p:spPr>
+          <p:txBody>
+            <a:bodyPr lIns="0" rIns="0" tIns="0" bIns="0" anchorCtr="1" anchor="ctr" wrap="none"/>
+            <a:lstStyle/>
+            <a:p>
+              <a:pPr algn="l" marL="0" marR="0" indent="0">
+                <a:lnSpc>
+                  <a:spcPts val="2560"/>
+                </a:lnSpc>
+                <a:spcBef>
+                  <a:spcPts val="0"/>
+                </a:spcBef>
+                <a:spcAft>
+                  <a:spcPts val="0"/>
+                </a:spcAft>
+              </a:pPr>
+              <a:r>
+                <a:rPr sz="2560" b="1">
+                  <a:solidFill>
+                    <a:srgbClr val="333232">
+                      <a:alpha val="100000"/>
+                    </a:srgbClr>
+                  </a:solidFill>
+                  <a:latin typeface="Arial"/>
+                  <a:cs typeface="Arial"/>
+                </a:rPr>
+                <a:t>57</a:t>
+              </a:r>
+            </a:p>
+          </p:txBody>
+        </p:sp>
+        <p:sp>
+          <p:nvSpPr>
+            <p:cNvPr id="19" name="tx18"/>
+            <p:cNvSpPr/>
+            <p:nvPr/>
+          </p:nvSpPr>
+          <p:spPr>
+            <a:xfrm>
+              <a:off x="9763615" y="3624255"/>
+              <a:ext cx="361738" cy="237718"/>
+            </a:xfrm>
+            <a:prstGeom prst="rect">
+              <a:avLst/>
+            </a:prstGeom>
+            <a:noFill/>
+          </p:spPr>
+          <p:txBody>
+            <a:bodyPr lIns="0" rIns="0" tIns="0" bIns="0" anchorCtr="1" anchor="ctr" wrap="none"/>
+            <a:lstStyle/>
+            <a:p>
+              <a:pPr algn="l" marL="0" marR="0" indent="0">
+                <a:lnSpc>
+                  <a:spcPts val="2560"/>
+                </a:lnSpc>
+                <a:spcBef>
+                  <a:spcPts val="0"/>
+                </a:spcBef>
+                <a:spcAft>
+                  <a:spcPts val="0"/>
+                </a:spcAft>
+              </a:pPr>
+              <a:r>
+                <a:rPr sz="2560" b="1">
+                  <a:solidFill>
+                    <a:srgbClr val="333232">
+                      <a:alpha val="100000"/>
+                    </a:srgbClr>
+                  </a:solidFill>
+                  <a:latin typeface="Arial"/>
+                  <a:cs typeface="Arial"/>
+                </a:rPr>
+                <a:t>50</a:t>
+              </a:r>
+            </a:p>
+          </p:txBody>
+        </p:sp>
+        <p:sp>
+          <p:nvSpPr>
+            <p:cNvPr id="20" name="tx19"/>
+            <p:cNvSpPr/>
+            <p:nvPr/>
+          </p:nvSpPr>
+          <p:spPr>
+            <a:xfrm>
+              <a:off x="11303009" y="3624255"/>
+              <a:ext cx="361738" cy="237718"/>
+            </a:xfrm>
+            <a:prstGeom prst="rect">
+              <a:avLst/>
+            </a:prstGeom>
+            <a:noFill/>
+          </p:spPr>
+          <p:txBody>
+            <a:bodyPr lIns="0" rIns="0" tIns="0" bIns="0" anchorCtr="1" anchor="ctr" wrap="none"/>
+            <a:lstStyle/>
+            <a:p>
+              <a:pPr algn="l" marL="0" marR="0" indent="0">
+                <a:lnSpc>
+                  <a:spcPts val="2560"/>
+                </a:lnSpc>
+                <a:spcBef>
+                  <a:spcPts val="0"/>
+                </a:spcBef>
+                <a:spcAft>
+                  <a:spcPts val="0"/>
+                </a:spcAft>
+              </a:pPr>
+              <a:r>
+                <a:rPr sz="2560" b="1">
+                  <a:solidFill>
+                    <a:srgbClr val="333232">
+                      <a:alpha val="100000"/>
+                    </a:srgbClr>
+                  </a:solidFill>
+                  <a:latin typeface="Arial"/>
+                  <a:cs typeface="Arial"/>
+                </a:rPr>
+                <a:t>32</a:t>
+              </a:r>
+            </a:p>
+          </p:txBody>
+        </p:sp>
+        <p:sp>
+          <p:nvSpPr>
+            <p:cNvPr id="21" name="tx20"/>
+            <p:cNvSpPr/>
+            <p:nvPr/>
+          </p:nvSpPr>
+          <p:spPr>
+            <a:xfrm>
+              <a:off x="473102" y="2702810"/>
+              <a:ext cx="470037" cy="237559"/>
+            </a:xfrm>
+            <a:prstGeom prst="rect">
+              <a:avLst/>
+            </a:prstGeom>
+            <a:noFill/>
+          </p:spPr>
+          <p:txBody>
+            <a:bodyPr lIns="0" rIns="0" tIns="0" bIns="0" anchorCtr="1" anchor="ctr" wrap="none"/>
+            <a:lstStyle/>
+            <a:p>
+              <a:pPr algn="l" marL="0" marR="0" indent="0">
+                <a:lnSpc>
+                  <a:spcPts val="2560"/>
+                </a:lnSpc>
+                <a:spcBef>
+                  <a:spcPts val="0"/>
+                </a:spcBef>
+                <a:spcAft>
+                  <a:spcPts val="0"/>
+                </a:spcAft>
+              </a:pPr>
+              <a:r>
+                <a:rPr sz="2560" b="1">
+                  <a:solidFill>
+                    <a:srgbClr val="FFFFFF">
+                      <a:alpha val="100000"/>
+                    </a:srgbClr>
+                  </a:solidFill>
+                  <a:latin typeface="Arial"/>
+                  <a:cs typeface="Arial"/>
+                </a:rPr>
+                <a:t>1st</a:t>
+              </a:r>
+            </a:p>
+          </p:txBody>
+        </p:sp>
+        <p:sp>
+          <p:nvSpPr>
+            <p:cNvPr id="22" name="tx21"/>
+            <p:cNvSpPr/>
+            <p:nvPr/>
+          </p:nvSpPr>
+          <p:spPr>
+            <a:xfrm>
+              <a:off x="2003603" y="2703604"/>
+              <a:ext cx="487822" cy="236765"/>
+            </a:xfrm>
+            <a:prstGeom prst="rect">
+              <a:avLst/>
+            </a:prstGeom>
+            <a:noFill/>
+          </p:spPr>
+          <p:txBody>
+            <a:bodyPr lIns="0" rIns="0" tIns="0" bIns="0" anchorCtr="1" anchor="ctr" wrap="none"/>
+            <a:lstStyle/>
+            <a:p>
+              <a:pPr algn="l" marL="0" marR="0" indent="0">
+                <a:lnSpc>
+                  <a:spcPts val="2560"/>
+                </a:lnSpc>
+                <a:spcBef>
+                  <a:spcPts val="0"/>
+                </a:spcBef>
+                <a:spcAft>
+                  <a:spcPts val="0"/>
+                </a:spcAft>
+              </a:pPr>
+              <a:r>
+                <a:rPr sz="2560" b="1">
+                  <a:solidFill>
+                    <a:srgbClr val="FFFFFF">
+                      <a:alpha val="100000"/>
+                    </a:srgbClr>
+                  </a:solidFill>
+                  <a:latin typeface="Arial"/>
+                  <a:cs typeface="Arial"/>
+                </a:rPr>
+                <a:t>5th</a:t>
+              </a:r>
+            </a:p>
+          </p:txBody>
+        </p:sp>
+        <p:sp>
+          <p:nvSpPr>
+            <p:cNvPr id="23" name="tx22"/>
+            <p:cNvSpPr/>
+            <p:nvPr/>
+          </p:nvSpPr>
+          <p:spPr>
+            <a:xfrm>
+              <a:off x="3452563" y="2702651"/>
+              <a:ext cx="668691" cy="237718"/>
+            </a:xfrm>
+            <a:prstGeom prst="rect">
+              <a:avLst/>
+            </a:prstGeom>
+            <a:noFill/>
+          </p:spPr>
+          <p:txBody>
+            <a:bodyPr lIns="0" rIns="0" tIns="0" bIns="0" anchorCtr="1" anchor="ctr" wrap="none"/>
+            <a:lstStyle/>
+            <a:p>
+              <a:pPr algn="l" marL="0" marR="0" indent="0">
+                <a:lnSpc>
+                  <a:spcPts val="2560"/>
+                </a:lnSpc>
+                <a:spcBef>
+                  <a:spcPts val="0"/>
+                </a:spcBef>
+                <a:spcAft>
+                  <a:spcPts val="0"/>
+                </a:spcAft>
+              </a:pPr>
+              <a:r>
+                <a:rPr sz="2560" b="1">
+                  <a:solidFill>
+                    <a:srgbClr val="FFFFFF">
+                      <a:alpha val="100000"/>
+                    </a:srgbClr>
+                  </a:solidFill>
+                  <a:latin typeface="Arial"/>
+                  <a:cs typeface="Arial"/>
+                </a:rPr>
+                <a:t>10th</a:t>
+              </a:r>
+            </a:p>
+          </p:txBody>
+        </p:sp>
+        <p:sp>
+          <p:nvSpPr>
+            <p:cNvPr id="24" name="tx23"/>
+            <p:cNvSpPr/>
+            <p:nvPr/>
+          </p:nvSpPr>
+          <p:spPr>
+            <a:xfrm>
+              <a:off x="4991957" y="2702651"/>
+              <a:ext cx="668691" cy="237718"/>
+            </a:xfrm>
+            <a:prstGeom prst="rect">
+              <a:avLst/>
+            </a:prstGeom>
+            <a:noFill/>
+          </p:spPr>
+          <p:txBody>
+            <a:bodyPr lIns="0" rIns="0" tIns="0" bIns="0" anchorCtr="1" anchor="ctr" wrap="none"/>
+            <a:lstStyle/>
+            <a:p>
+              <a:pPr algn="l" marL="0" marR="0" indent="0">
+                <a:lnSpc>
+                  <a:spcPts val="2560"/>
+                </a:lnSpc>
+                <a:spcBef>
+                  <a:spcPts val="0"/>
+                </a:spcBef>
+                <a:spcAft>
+                  <a:spcPts val="0"/>
+                </a:spcAft>
+              </a:pPr>
+              <a:r>
+                <a:rPr sz="2560" b="1">
+                  <a:solidFill>
+                    <a:srgbClr val="FFFFFF">
+                      <a:alpha val="100000"/>
+                    </a:srgbClr>
+                  </a:solidFill>
+                  <a:latin typeface="Arial"/>
+                  <a:cs typeface="Arial"/>
+                </a:rPr>
+                <a:t>15th</a:t>
+              </a:r>
+            </a:p>
+          </p:txBody>
+        </p:sp>
+        <p:sp>
+          <p:nvSpPr>
+            <p:cNvPr id="25" name="tx24"/>
+            <p:cNvSpPr/>
+            <p:nvPr/>
+          </p:nvSpPr>
+          <p:spPr>
+            <a:xfrm>
+              <a:off x="6531351" y="2702651"/>
+              <a:ext cx="668691" cy="237718"/>
+            </a:xfrm>
+            <a:prstGeom prst="rect">
+              <a:avLst/>
+            </a:prstGeom>
+            <a:noFill/>
+          </p:spPr>
+          <p:txBody>
+            <a:bodyPr lIns="0" rIns="0" tIns="0" bIns="0" anchorCtr="1" anchor="ctr" wrap="none"/>
+            <a:lstStyle/>
+            <a:p>
+              <a:pPr algn="l" marL="0" marR="0" indent="0">
+                <a:lnSpc>
+                  <a:spcPts val="2560"/>
+                </a:lnSpc>
+                <a:spcBef>
+                  <a:spcPts val="0"/>
+                </a:spcBef>
+                <a:spcAft>
+                  <a:spcPts val="0"/>
+                </a:spcAft>
+              </a:pPr>
+              <a:r>
+                <a:rPr sz="2560" b="1">
+                  <a:solidFill>
+                    <a:srgbClr val="FFFFFF">
+                      <a:alpha val="100000"/>
+                    </a:srgbClr>
+                  </a:solidFill>
+                  <a:latin typeface="Arial"/>
+                  <a:cs typeface="Arial"/>
+                </a:rPr>
+                <a:t>20th</a:t>
+              </a:r>
+            </a:p>
+          </p:txBody>
+        </p:sp>
+        <p:sp>
+          <p:nvSpPr>
+            <p:cNvPr id="26" name="tx25"/>
+            <p:cNvSpPr/>
+            <p:nvPr/>
+          </p:nvSpPr>
+          <p:spPr>
+            <a:xfrm>
+              <a:off x="8070745" y="2702651"/>
+              <a:ext cx="668691" cy="237718"/>
+            </a:xfrm>
+            <a:prstGeom prst="rect">
+              <a:avLst/>
+            </a:prstGeom>
+            <a:noFill/>
+          </p:spPr>
+          <p:txBody>
+            <a:bodyPr lIns="0" rIns="0" tIns="0" bIns="0" anchorCtr="1" anchor="ctr" wrap="none"/>
+            <a:lstStyle/>
+            <a:p>
+              <a:pPr algn="l" marL="0" marR="0" indent="0">
+                <a:lnSpc>
+                  <a:spcPts val="2560"/>
+                </a:lnSpc>
+                <a:spcBef>
+                  <a:spcPts val="0"/>
+                </a:spcBef>
+                <a:spcAft>
+                  <a:spcPts val="0"/>
+                </a:spcAft>
+              </a:pPr>
+              <a:r>
+                <a:rPr sz="2560" b="1">
+                  <a:solidFill>
+                    <a:srgbClr val="FFFFFF">
+                      <a:alpha val="100000"/>
+                    </a:srgbClr>
+                  </a:solidFill>
+                  <a:latin typeface="Arial"/>
+                  <a:cs typeface="Arial"/>
+                </a:rPr>
+                <a:t>25th</a:t>
+              </a:r>
+            </a:p>
+          </p:txBody>
+        </p:sp>
+        <p:sp>
+          <p:nvSpPr>
+            <p:cNvPr id="27" name="tx26"/>
+            <p:cNvSpPr/>
+            <p:nvPr/>
+          </p:nvSpPr>
+          <p:spPr>
+            <a:xfrm>
+              <a:off x="9610139" y="2702651"/>
+              <a:ext cx="668691" cy="237718"/>
+            </a:xfrm>
+            <a:prstGeom prst="rect">
+              <a:avLst/>
+            </a:prstGeom>
+            <a:noFill/>
+          </p:spPr>
+          <p:txBody>
+            <a:bodyPr lIns="0" rIns="0" tIns="0" bIns="0" anchorCtr="1" anchor="ctr" wrap="none"/>
+            <a:lstStyle/>
+            <a:p>
+              <a:pPr algn="l" marL="0" marR="0" indent="0">
+                <a:lnSpc>
+                  <a:spcPts val="2560"/>
+                </a:lnSpc>
+                <a:spcBef>
+                  <a:spcPts val="0"/>
+                </a:spcBef>
+                <a:spcAft>
+                  <a:spcPts val="0"/>
+                </a:spcAft>
+              </a:pPr>
+              <a:r>
+                <a:rPr sz="2560" b="1">
+                  <a:solidFill>
+                    <a:srgbClr val="FFFFFF">
+                      <a:alpha val="100000"/>
+                    </a:srgbClr>
+                  </a:solidFill>
+                  <a:latin typeface="Arial"/>
+                  <a:cs typeface="Arial"/>
+                </a:rPr>
+                <a:t>30th</a:t>
+              </a:r>
+            </a:p>
+          </p:txBody>
+        </p:sp>
+        <p:sp>
+          <p:nvSpPr>
+            <p:cNvPr id="28" name="tx27"/>
+            <p:cNvSpPr/>
+            <p:nvPr/>
+          </p:nvSpPr>
+          <p:spPr>
+            <a:xfrm>
+              <a:off x="11054572" y="2702651"/>
+              <a:ext cx="858612" cy="237718"/>
+            </a:xfrm>
+            <a:prstGeom prst="rect">
+              <a:avLst/>
+            </a:prstGeom>
+            <a:noFill/>
+          </p:spPr>
+          <p:txBody>
+            <a:bodyPr lIns="0" rIns="0" tIns="0" bIns="0" anchorCtr="1" anchor="ctr" wrap="none"/>
+            <a:lstStyle/>
+            <a:p>
+              <a:pPr algn="l" marL="0" marR="0" indent="0">
+                <a:lnSpc>
+                  <a:spcPts val="2560"/>
+                </a:lnSpc>
+                <a:spcBef>
+                  <a:spcPts val="0"/>
+                </a:spcBef>
+                <a:spcAft>
+                  <a:spcPts val="0"/>
+                </a:spcAft>
+              </a:pPr>
+              <a:r>
+                <a:rPr sz="2560" b="1">
+                  <a:solidFill>
+                    <a:srgbClr val="FFFFFF">
+                      <a:alpha val="100000"/>
+                    </a:srgbClr>
+                  </a:solidFill>
+                  <a:latin typeface="Arial"/>
+                  <a:cs typeface="Arial"/>
+                </a:rPr>
+                <a:t>40th+</a:t>
+              </a:r>
+            </a:p>
+          </p:txBody>
+        </p:sp>
+      </p:grpSp>
+    </p:spTree>
+  </p:cSld>
+  <p:clrMapOvr>
+    <a:masterClrMapping/>
+  </p:clrMapOvr>
+</p:sld>
+</file>
+
+<file path=ppt/slides/slide26.xml><?xml version="1.0" encoding="utf-8"?>
+<p:sld xmlns:a="http://schemas.openxmlformats.org/drawingml/2006/main" xmlns:r="http://schemas.openxmlformats.org/officeDocument/2006/relationships" xmlns:p="http://schemas.openxmlformats.org/presentationml/2006/main">
+  <p:cSld>
+    <p:spTree>
+      <p:nvGrpSpPr>
+        <p:cNvPr id="1" name=""/>
+        <p:cNvGrpSpPr/>
+        <p:nvPr/>
+      </p:nvGrpSpPr>
+      <p:grpSpPr>
+        <a:xfrm>
+          <a:off x="0" y="0"/>
+          <a:ext cx="0" cy="0"/>
+          <a:chOff x="0" y="0"/>
+          <a:chExt cx="0" cy="0"/>
+        </a:xfrm>
+      </p:grpSpPr>
+      <p:sp>
+        <p:nvSpPr>
+          <p:cNvPr id="2" name=""/>
+          <p:cNvSpPr>
+            <a:spLocks noGrp="1"/>
+          </p:cNvSpPr>
+          <p:nvPr>
+            <p:ph/>
+          </p:nvPr>
+        </p:nvSpPr>
+        <p:spPr>
+          <a:xfrm>
+            <a:off x="365760" y="182880"/>
+            <a:ext cx="11277600" cy="731520"/>
+          </a:xfrm>
+        </p:spPr>
+        <p:txBody>
+          <a:bodyPr/>
+          <a:lstStyle/>
+          <a:p>
+            <a:pPr algn="l" marL="0" marR="0">
+              <a:lnSpc>
+                <a:spcPct val="100000"/>
+              </a:lnSpc>
+              <a:spcBef>
+                <a:spcPts val="0"/>
+              </a:spcBef>
+              <a:spcAft>
+                <a:spcPts val="0"/>
+              </a:spcAft>
+              <a:buNone/>
+            </a:pPr>
+            <a:r>
+              <a:rPr cap="none" sz="2800" i="0" b="1" u="none">
+                <a:solidFill>
+                  <a:srgbClr val="323233">
+                    <a:alpha val="100000"/>
+                  </a:srgbClr>
+                </a:solidFill>
+                <a:latin typeface="Arial"/>
+                <a:cs typeface="Arial"/>
+                <a:ea typeface="Arial"/>
+                <a:sym typeface="Arial"/>
+              </a:rPr>
+              <a:t>LIFE SATISFACTION</a:t>
+            </a:r>
+          </a:p>
+        </p:txBody>
+      </p:sp>
+      <p:grpSp xmlns:pic="http://schemas.openxmlformats.org/drawingml/2006/picture">
+        <p:nvGrpSpPr>
+          <p:cNvPr id="3" name=""/>
+          <p:cNvGrpSpPr/>
+          <p:nvPr/>
+        </p:nvGrpSpPr>
+        <p:grpSpPr>
+          <a:xfrm>
+            <a:off x="0" y="914400"/>
+            <a:ext cx="12192000" cy="5577840"/>
+            <a:chOff x="0" y="914400"/>
+            <a:chExt cx="12192000" cy="5577840"/>
+          </a:xfrm>
+        </p:grpSpPr>
+        <p:sp>
+          <p:nvSpPr>
+            <p:cNvPr id="4" name="pl3"/>
+            <p:cNvSpPr/>
+            <p:nvPr/>
+          </p:nvSpPr>
+          <p:spPr>
+            <a:xfrm>
+              <a:off x="0" y="3703320"/>
+              <a:ext cx="12192000" cy="0"/>
+            </a:xfrm>
+            <a:custGeom>
+              <a:avLst/>
+              <a:pathLst>
+                <a:path w="12192000" h="0">
+                  <a:moveTo>
+                    <a:pt x="0" y="0"/>
+                  </a:moveTo>
+                  <a:lnTo>
+                    <a:pt x="12192000" y="0"/>
+                  </a:lnTo>
+                </a:path>
+              </a:pathLst>
+            </a:custGeom>
+            <a:ln w="27101" cap="flat">
+              <a:solidFill>
+                <a:srgbClr val="FFFFFF">
+                  <a:alpha val="100000"/>
+                </a:srgbClr>
+              </a:solidFill>
+              <a:prstDash val="solid"/>
+              <a:round/>
+            </a:ln>
+          </p:spPr>
+          <p:txBody>
+            <a:bodyPr/>
+            <a:lstStyle/>
+            <a:p/>
+          </p:txBody>
+        </p:sp>
+        <p:sp>
+          <p:nvSpPr>
+            <p:cNvPr id="5" name="pt4"/>
+            <p:cNvSpPr/>
+            <p:nvPr/>
+          </p:nvSpPr>
+          <p:spPr>
+            <a:xfrm>
+              <a:off x="148096" y="3143295"/>
+              <a:ext cx="1120050" cy="1120050"/>
+            </a:xfrm>
+            <a:prstGeom prst="ellipse">
+              <a:avLst/>
+            </a:prstGeom>
+            <a:solidFill>
+              <a:srgbClr val="FFFFFF">
+                <a:alpha val="100000"/>
+              </a:srgbClr>
+            </a:solidFill>
+            <a:ln w="36000" cap="rnd">
+              <a:solidFill>
+                <a:srgbClr val="01A3A2">
+                  <a:alpha val="100000"/>
+                </a:srgbClr>
+              </a:solidFill>
+              <a:prstDash val="solid"/>
+              <a:round/>
+            </a:ln>
+          </p:spPr>
+          <p:txBody>
+            <a:bodyPr/>
+            <a:lstStyle/>
+            <a:p/>
+          </p:txBody>
+        </p:sp>
+        <p:sp>
+          <p:nvSpPr>
+            <p:cNvPr id="6" name="pt5"/>
+            <p:cNvSpPr/>
+            <p:nvPr/>
+          </p:nvSpPr>
+          <p:spPr>
+            <a:xfrm>
+              <a:off x="1687490" y="3143295"/>
+              <a:ext cx="1120050" cy="1120050"/>
+            </a:xfrm>
+            <a:prstGeom prst="ellipse">
+              <a:avLst/>
+            </a:prstGeom>
+            <a:solidFill>
+              <a:srgbClr val="FFFFFF">
+                <a:alpha val="100000"/>
+              </a:srgbClr>
+            </a:solidFill>
+            <a:ln w="36000" cap="rnd">
+              <a:solidFill>
+                <a:srgbClr val="01A3A2">
+                  <a:alpha val="100000"/>
+                </a:srgbClr>
+              </a:solidFill>
+              <a:prstDash val="solid"/>
+              <a:round/>
+            </a:ln>
+          </p:spPr>
+          <p:txBody>
+            <a:bodyPr/>
+            <a:lstStyle/>
+            <a:p/>
+          </p:txBody>
+        </p:sp>
+        <p:sp>
+          <p:nvSpPr>
+            <p:cNvPr id="7" name="pt6"/>
+            <p:cNvSpPr/>
+            <p:nvPr/>
+          </p:nvSpPr>
+          <p:spPr>
+            <a:xfrm>
+              <a:off x="3226884" y="3143295"/>
+              <a:ext cx="1120050" cy="1120050"/>
+            </a:xfrm>
+            <a:prstGeom prst="ellipse">
+              <a:avLst/>
+            </a:prstGeom>
+            <a:solidFill>
+              <a:srgbClr val="FFFFFF">
+                <a:alpha val="100000"/>
+              </a:srgbClr>
+            </a:solidFill>
+            <a:ln w="36000" cap="rnd">
+              <a:solidFill>
+                <a:srgbClr val="01A3A2">
+                  <a:alpha val="100000"/>
+                </a:srgbClr>
+              </a:solidFill>
+              <a:prstDash val="solid"/>
+              <a:round/>
+            </a:ln>
+          </p:spPr>
+          <p:txBody>
+            <a:bodyPr/>
+            <a:lstStyle/>
+            <a:p/>
+          </p:txBody>
+        </p:sp>
+        <p:sp>
+          <p:nvSpPr>
+            <p:cNvPr id="8" name="pt7"/>
+            <p:cNvSpPr/>
+            <p:nvPr/>
+          </p:nvSpPr>
+          <p:spPr>
+            <a:xfrm>
+              <a:off x="4766278" y="3143295"/>
+              <a:ext cx="1120050" cy="1120050"/>
+            </a:xfrm>
+            <a:prstGeom prst="ellipse">
+              <a:avLst/>
+            </a:prstGeom>
+            <a:solidFill>
+              <a:srgbClr val="FFFFFF">
+                <a:alpha val="100000"/>
+              </a:srgbClr>
+            </a:solidFill>
+            <a:ln w="36000" cap="rnd">
+              <a:solidFill>
+                <a:srgbClr val="01A3A2">
+                  <a:alpha val="100000"/>
+                </a:srgbClr>
+              </a:solidFill>
+              <a:prstDash val="solid"/>
+              <a:round/>
+            </a:ln>
+          </p:spPr>
+          <p:txBody>
+            <a:bodyPr/>
+            <a:lstStyle/>
+            <a:p/>
+          </p:txBody>
+        </p:sp>
+        <p:sp>
+          <p:nvSpPr>
+            <p:cNvPr id="9" name="pt8"/>
+            <p:cNvSpPr/>
+            <p:nvPr/>
+          </p:nvSpPr>
+          <p:spPr>
+            <a:xfrm>
+              <a:off x="6305671" y="3143295"/>
+              <a:ext cx="1120050" cy="1120050"/>
+            </a:xfrm>
+            <a:prstGeom prst="ellipse">
+              <a:avLst/>
+            </a:prstGeom>
+            <a:solidFill>
+              <a:srgbClr val="FFFFFF">
+                <a:alpha val="100000"/>
+              </a:srgbClr>
+            </a:solidFill>
+            <a:ln w="36000" cap="rnd">
+              <a:solidFill>
+                <a:srgbClr val="01A3A2">
+                  <a:alpha val="100000"/>
+                </a:srgbClr>
+              </a:solidFill>
+              <a:prstDash val="solid"/>
+              <a:round/>
+            </a:ln>
+          </p:spPr>
+          <p:txBody>
+            <a:bodyPr/>
+            <a:lstStyle/>
+            <a:p/>
+          </p:txBody>
+        </p:sp>
+        <p:sp>
+          <p:nvSpPr>
+            <p:cNvPr id="10" name="pt9"/>
+            <p:cNvSpPr/>
+            <p:nvPr/>
+          </p:nvSpPr>
+          <p:spPr>
+            <a:xfrm>
+              <a:off x="7845065" y="3143295"/>
+              <a:ext cx="1120050" cy="1120050"/>
+            </a:xfrm>
+            <a:prstGeom prst="ellipse">
+              <a:avLst/>
+            </a:prstGeom>
+            <a:solidFill>
+              <a:srgbClr val="FFFFFF">
+                <a:alpha val="100000"/>
+              </a:srgbClr>
+            </a:solidFill>
+            <a:ln w="36000" cap="rnd">
+              <a:solidFill>
+                <a:srgbClr val="01A3A2">
+                  <a:alpha val="100000"/>
+                </a:srgbClr>
+              </a:solidFill>
+              <a:prstDash val="solid"/>
+              <a:round/>
+            </a:ln>
+          </p:spPr>
+          <p:txBody>
+            <a:bodyPr/>
+            <a:lstStyle/>
+            <a:p/>
+          </p:txBody>
+        </p:sp>
+        <p:sp>
+          <p:nvSpPr>
+            <p:cNvPr id="11" name="pt10"/>
+            <p:cNvSpPr/>
+            <p:nvPr/>
+          </p:nvSpPr>
+          <p:spPr>
+            <a:xfrm>
+              <a:off x="9384459" y="3143295"/>
+              <a:ext cx="1120050" cy="1120050"/>
+            </a:xfrm>
+            <a:prstGeom prst="ellipse">
+              <a:avLst/>
+            </a:prstGeom>
+            <a:solidFill>
+              <a:srgbClr val="FFFFFF">
+                <a:alpha val="100000"/>
+              </a:srgbClr>
+            </a:solidFill>
+            <a:ln w="36000" cap="rnd">
+              <a:solidFill>
+                <a:srgbClr val="01A3A2">
+                  <a:alpha val="100000"/>
+                </a:srgbClr>
+              </a:solidFill>
+              <a:prstDash val="solid"/>
+              <a:round/>
+            </a:ln>
+          </p:spPr>
+          <p:txBody>
+            <a:bodyPr/>
+            <a:lstStyle/>
+            <a:p/>
+          </p:txBody>
+        </p:sp>
+        <p:sp>
+          <p:nvSpPr>
+            <p:cNvPr id="12" name="pt11"/>
+            <p:cNvSpPr/>
+            <p:nvPr/>
+          </p:nvSpPr>
+          <p:spPr>
+            <a:xfrm>
+              <a:off x="10923853" y="3143295"/>
+              <a:ext cx="1120050" cy="1120050"/>
+            </a:xfrm>
+            <a:prstGeom prst="ellipse">
+              <a:avLst/>
+            </a:prstGeom>
+            <a:solidFill>
+              <a:srgbClr val="FFFFFF">
+                <a:alpha val="100000"/>
+              </a:srgbClr>
+            </a:solidFill>
+            <a:ln w="36000" cap="rnd">
+              <a:solidFill>
+                <a:srgbClr val="01A3A2">
+                  <a:alpha val="100000"/>
+                </a:srgbClr>
+              </a:solidFill>
+              <a:prstDash val="solid"/>
+              <a:round/>
+            </a:ln>
+          </p:spPr>
+          <p:txBody>
+            <a:bodyPr/>
+            <a:lstStyle/>
+            <a:p/>
+          </p:txBody>
+        </p:sp>
+        <p:sp>
+          <p:nvSpPr>
+            <p:cNvPr id="13" name="tx12"/>
+            <p:cNvSpPr/>
+            <p:nvPr/>
+          </p:nvSpPr>
+          <p:spPr>
+            <a:xfrm>
+              <a:off x="482074" y="3624255"/>
+              <a:ext cx="452093" cy="237718"/>
+            </a:xfrm>
+            <a:prstGeom prst="rect">
+              <a:avLst/>
+            </a:prstGeom>
+            <a:noFill/>
+          </p:spPr>
+          <p:txBody>
+            <a:bodyPr lIns="0" rIns="0" tIns="0" bIns="0" anchorCtr="1" anchor="ctr" wrap="none"/>
+            <a:lstStyle/>
+            <a:p>
+              <a:pPr algn="l" marL="0" marR="0" indent="0">
+                <a:lnSpc>
+                  <a:spcPts val="2560"/>
+                </a:lnSpc>
+                <a:spcBef>
+                  <a:spcPts val="0"/>
+                </a:spcBef>
+                <a:spcAft>
+                  <a:spcPts val="0"/>
+                </a:spcAft>
+              </a:pPr>
+              <a:r>
+                <a:rPr sz="2560" b="1">
+                  <a:solidFill>
+                    <a:srgbClr val="333232">
+                      <a:alpha val="100000"/>
+                    </a:srgbClr>
+                  </a:solidFill>
+                  <a:latin typeface="Arial"/>
+                  <a:cs typeface="Arial"/>
+                </a:rPr>
+                <a:t>6.1</a:t>
+              </a:r>
+            </a:p>
+          </p:txBody>
+        </p:sp>
+        <p:sp>
+          <p:nvSpPr>
+            <p:cNvPr id="14" name="tx13"/>
+            <p:cNvSpPr/>
+            <p:nvPr/>
+          </p:nvSpPr>
+          <p:spPr>
+            <a:xfrm>
+              <a:off x="2021468" y="3624255"/>
+              <a:ext cx="452093" cy="237718"/>
+            </a:xfrm>
+            <a:prstGeom prst="rect">
+              <a:avLst/>
+            </a:prstGeom>
+            <a:noFill/>
+          </p:spPr>
+          <p:txBody>
+            <a:bodyPr lIns="0" rIns="0" tIns="0" bIns="0" anchorCtr="1" anchor="ctr" wrap="none"/>
+            <a:lstStyle/>
+            <a:p>
+              <a:pPr algn="l" marL="0" marR="0" indent="0">
+                <a:lnSpc>
+                  <a:spcPts val="2560"/>
+                </a:lnSpc>
+                <a:spcBef>
+                  <a:spcPts val="0"/>
+                </a:spcBef>
+                <a:spcAft>
+                  <a:spcPts val="0"/>
+                </a:spcAft>
+              </a:pPr>
+              <a:r>
+                <a:rPr sz="2560" b="1">
+                  <a:solidFill>
+                    <a:srgbClr val="333232">
+                      <a:alpha val="100000"/>
+                    </a:srgbClr>
+                  </a:solidFill>
+                  <a:latin typeface="Arial"/>
+                  <a:cs typeface="Arial"/>
+                </a:rPr>
+                <a:t>6.5</a:t>
+              </a:r>
+            </a:p>
+          </p:txBody>
+        </p:sp>
+        <p:sp>
+          <p:nvSpPr>
+            <p:cNvPr id="15" name="tx14"/>
+            <p:cNvSpPr/>
+            <p:nvPr/>
+          </p:nvSpPr>
+          <p:spPr>
+            <a:xfrm>
+              <a:off x="3560862" y="3624255"/>
+              <a:ext cx="452093" cy="237718"/>
+            </a:xfrm>
+            <a:prstGeom prst="rect">
+              <a:avLst/>
+            </a:prstGeom>
+            <a:noFill/>
+          </p:spPr>
+          <p:txBody>
+            <a:bodyPr lIns="0" rIns="0" tIns="0" bIns="0" anchorCtr="1" anchor="ctr" wrap="none"/>
+            <a:lstStyle/>
+            <a:p>
+              <a:pPr algn="l" marL="0" marR="0" indent="0">
+                <a:lnSpc>
+                  <a:spcPts val="2560"/>
+                </a:lnSpc>
+                <a:spcBef>
+                  <a:spcPts val="0"/>
+                </a:spcBef>
+                <a:spcAft>
+                  <a:spcPts val="0"/>
+                </a:spcAft>
+              </a:pPr>
+              <a:r>
+                <a:rPr sz="2560" b="1">
+                  <a:solidFill>
+                    <a:srgbClr val="333232">
+                      <a:alpha val="100000"/>
+                    </a:srgbClr>
+                  </a:solidFill>
+                  <a:latin typeface="Arial"/>
+                  <a:cs typeface="Arial"/>
+                </a:rPr>
+                <a:t>6.3</a:t>
+              </a:r>
+            </a:p>
+          </p:txBody>
+        </p:sp>
+        <p:sp>
+          <p:nvSpPr>
+            <p:cNvPr id="16" name="tx15"/>
+            <p:cNvSpPr/>
+            <p:nvPr/>
+          </p:nvSpPr>
+          <p:spPr>
+            <a:xfrm>
+              <a:off x="5100256" y="3628384"/>
+              <a:ext cx="452093" cy="233589"/>
+            </a:xfrm>
+            <a:prstGeom prst="rect">
+              <a:avLst/>
+            </a:prstGeom>
+            <a:noFill/>
+          </p:spPr>
+          <p:txBody>
+            <a:bodyPr lIns="0" rIns="0" tIns="0" bIns="0" anchorCtr="1" anchor="ctr" wrap="none"/>
+            <a:lstStyle/>
+            <a:p>
+              <a:pPr algn="l" marL="0" marR="0" indent="0">
+                <a:lnSpc>
+                  <a:spcPts val="2560"/>
+                </a:lnSpc>
+                <a:spcBef>
+                  <a:spcPts val="0"/>
+                </a:spcBef>
+                <a:spcAft>
+                  <a:spcPts val="0"/>
+                </a:spcAft>
+              </a:pPr>
+              <a:r>
+                <a:rPr sz="2560" b="1">
+                  <a:solidFill>
+                    <a:srgbClr val="333232">
+                      <a:alpha val="100000"/>
+                    </a:srgbClr>
+                  </a:solidFill>
+                  <a:latin typeface="Arial"/>
+                  <a:cs typeface="Arial"/>
+                </a:rPr>
+                <a:t>5.7</a:t>
+              </a:r>
+            </a:p>
+          </p:txBody>
+        </p:sp>
+        <p:sp>
+          <p:nvSpPr>
+            <p:cNvPr id="17" name="tx16"/>
+            <p:cNvSpPr/>
+            <p:nvPr/>
+          </p:nvSpPr>
+          <p:spPr>
+            <a:xfrm>
+              <a:off x="6639650" y="3624255"/>
+              <a:ext cx="452093" cy="237718"/>
+            </a:xfrm>
+            <a:prstGeom prst="rect">
+              <a:avLst/>
+            </a:prstGeom>
+            <a:noFill/>
+          </p:spPr>
+          <p:txBody>
+            <a:bodyPr lIns="0" rIns="0" tIns="0" bIns="0" anchorCtr="1" anchor="ctr" wrap="none"/>
+            <a:lstStyle/>
+            <a:p>
+              <a:pPr algn="l" marL="0" marR="0" indent="0">
+                <a:lnSpc>
+                  <a:spcPts val="2560"/>
+                </a:lnSpc>
+                <a:spcBef>
+                  <a:spcPts val="0"/>
+                </a:spcBef>
+                <a:spcAft>
+                  <a:spcPts val="0"/>
+                </a:spcAft>
+              </a:pPr>
+              <a:r>
+                <a:rPr sz="2560" b="1">
+                  <a:solidFill>
+                    <a:srgbClr val="333232">
+                      <a:alpha val="100000"/>
+                    </a:srgbClr>
+                  </a:solidFill>
+                  <a:latin typeface="Arial"/>
+                  <a:cs typeface="Arial"/>
+                </a:rPr>
+                <a:t>6.1</a:t>
+              </a:r>
+            </a:p>
+          </p:txBody>
+        </p:sp>
+        <p:sp>
+          <p:nvSpPr>
+            <p:cNvPr id="18" name="tx17"/>
+            <p:cNvSpPr/>
+            <p:nvPr/>
+          </p:nvSpPr>
+          <p:spPr>
+            <a:xfrm>
+              <a:off x="8179044" y="3628384"/>
+              <a:ext cx="452093" cy="233589"/>
+            </a:xfrm>
+            <a:prstGeom prst="rect">
+              <a:avLst/>
+            </a:prstGeom>
+            <a:noFill/>
+          </p:spPr>
+          <p:txBody>
+            <a:bodyPr lIns="0" rIns="0" tIns="0" bIns="0" anchorCtr="1" anchor="ctr" wrap="none"/>
+            <a:lstStyle/>
+            <a:p>
+              <a:pPr algn="l" marL="0" marR="0" indent="0">
+                <a:lnSpc>
+                  <a:spcPts val="2560"/>
+                </a:lnSpc>
+                <a:spcBef>
+                  <a:spcPts val="0"/>
+                </a:spcBef>
+                <a:spcAft>
+                  <a:spcPts val="0"/>
+                </a:spcAft>
+              </a:pPr>
+              <a:r>
+                <a:rPr sz="2560" b="1">
+                  <a:solidFill>
+                    <a:srgbClr val="333232">
+                      <a:alpha val="100000"/>
+                    </a:srgbClr>
+                  </a:solidFill>
+                  <a:latin typeface="Arial"/>
+                  <a:cs typeface="Arial"/>
+                </a:rPr>
+                <a:t>5.7</a:t>
+              </a:r>
+            </a:p>
+          </p:txBody>
+        </p:sp>
+        <p:sp>
+          <p:nvSpPr>
+            <p:cNvPr id="19" name="tx18"/>
+            <p:cNvSpPr/>
+            <p:nvPr/>
+          </p:nvSpPr>
+          <p:spPr>
+            <a:xfrm>
+              <a:off x="9854050" y="3624255"/>
+              <a:ext cx="180869" cy="237718"/>
+            </a:xfrm>
+            <a:prstGeom prst="rect">
+              <a:avLst/>
+            </a:prstGeom>
+            <a:noFill/>
+          </p:spPr>
+          <p:txBody>
+            <a:bodyPr lIns="0" rIns="0" tIns="0" bIns="0" anchorCtr="1" anchor="ctr" wrap="none"/>
+            <a:lstStyle/>
+            <a:p>
+              <a:pPr algn="l" marL="0" marR="0" indent="0">
+                <a:lnSpc>
+                  <a:spcPts val="2560"/>
+                </a:lnSpc>
+                <a:spcBef>
+                  <a:spcPts val="0"/>
+                </a:spcBef>
+                <a:spcAft>
+                  <a:spcPts val="0"/>
+                </a:spcAft>
+              </a:pPr>
+              <a:r>
+                <a:rPr sz="2560" b="1">
+                  <a:solidFill>
+                    <a:srgbClr val="333232">
+                      <a:alpha val="100000"/>
+                    </a:srgbClr>
+                  </a:solidFill>
+                  <a:latin typeface="Arial"/>
+                  <a:cs typeface="Arial"/>
+                </a:rPr>
+                <a:t>6</a:t>
+              </a:r>
+            </a:p>
+          </p:txBody>
+        </p:sp>
+        <p:sp>
+          <p:nvSpPr>
+            <p:cNvPr id="20" name="tx19"/>
+            <p:cNvSpPr/>
+            <p:nvPr/>
+          </p:nvSpPr>
+          <p:spPr>
+            <a:xfrm>
+              <a:off x="11257832" y="3628384"/>
+              <a:ext cx="452093" cy="233589"/>
+            </a:xfrm>
+            <a:prstGeom prst="rect">
+              <a:avLst/>
+            </a:prstGeom>
+            <a:noFill/>
+          </p:spPr>
+          <p:txBody>
+            <a:bodyPr lIns="0" rIns="0" tIns="0" bIns="0" anchorCtr="1" anchor="ctr" wrap="none"/>
+            <a:lstStyle/>
+            <a:p>
+              <a:pPr algn="l" marL="0" marR="0" indent="0">
+                <a:lnSpc>
+                  <a:spcPts val="2560"/>
+                </a:lnSpc>
+                <a:spcBef>
+                  <a:spcPts val="0"/>
+                </a:spcBef>
+                <a:spcAft>
+                  <a:spcPts val="0"/>
+                </a:spcAft>
+              </a:pPr>
+              <a:r>
+                <a:rPr sz="2560" b="1">
+                  <a:solidFill>
+                    <a:srgbClr val="333232">
+                      <a:alpha val="100000"/>
+                    </a:srgbClr>
+                  </a:solidFill>
+                  <a:latin typeface="Arial"/>
+                  <a:cs typeface="Arial"/>
+                </a:rPr>
+                <a:t>5.7</a:t>
+              </a:r>
+            </a:p>
+          </p:txBody>
+        </p:sp>
+        <p:sp>
+          <p:nvSpPr>
+            <p:cNvPr id="21" name="tx20"/>
+            <p:cNvSpPr/>
+            <p:nvPr/>
+          </p:nvSpPr>
+          <p:spPr>
+            <a:xfrm>
+              <a:off x="473102" y="2702810"/>
+              <a:ext cx="470037" cy="237559"/>
+            </a:xfrm>
+            <a:prstGeom prst="rect">
+              <a:avLst/>
+            </a:prstGeom>
+            <a:noFill/>
+          </p:spPr>
+          <p:txBody>
+            <a:bodyPr lIns="0" rIns="0" tIns="0" bIns="0" anchorCtr="1" anchor="ctr" wrap="none"/>
+            <a:lstStyle/>
+            <a:p>
+              <a:pPr algn="l" marL="0" marR="0" indent="0">
+                <a:lnSpc>
+                  <a:spcPts val="2560"/>
+                </a:lnSpc>
+                <a:spcBef>
+                  <a:spcPts val="0"/>
+                </a:spcBef>
+                <a:spcAft>
+                  <a:spcPts val="0"/>
+                </a:spcAft>
+              </a:pPr>
+              <a:r>
+                <a:rPr sz="2560" b="1">
+                  <a:solidFill>
+                    <a:srgbClr val="FFFFFF">
+                      <a:alpha val="100000"/>
+                    </a:srgbClr>
+                  </a:solidFill>
+                  <a:latin typeface="Arial"/>
+                  <a:cs typeface="Arial"/>
+                </a:rPr>
+                <a:t>1st</a:t>
+              </a:r>
+            </a:p>
+          </p:txBody>
+        </p:sp>
+        <p:sp>
+          <p:nvSpPr>
+            <p:cNvPr id="22" name="tx21"/>
+            <p:cNvSpPr/>
+            <p:nvPr/>
+          </p:nvSpPr>
+          <p:spPr>
+            <a:xfrm>
+              <a:off x="2003603" y="2703604"/>
+              <a:ext cx="487822" cy="236765"/>
+            </a:xfrm>
+            <a:prstGeom prst="rect">
+              <a:avLst/>
+            </a:prstGeom>
+            <a:noFill/>
+          </p:spPr>
+          <p:txBody>
+            <a:bodyPr lIns="0" rIns="0" tIns="0" bIns="0" anchorCtr="1" anchor="ctr" wrap="none"/>
+            <a:lstStyle/>
+            <a:p>
+              <a:pPr algn="l" marL="0" marR="0" indent="0">
+                <a:lnSpc>
+                  <a:spcPts val="2560"/>
+                </a:lnSpc>
+                <a:spcBef>
+                  <a:spcPts val="0"/>
+                </a:spcBef>
+                <a:spcAft>
+                  <a:spcPts val="0"/>
+                </a:spcAft>
+              </a:pPr>
+              <a:r>
+                <a:rPr sz="2560" b="1">
+                  <a:solidFill>
+                    <a:srgbClr val="FFFFFF">
+                      <a:alpha val="100000"/>
+                    </a:srgbClr>
+                  </a:solidFill>
+                  <a:latin typeface="Arial"/>
+                  <a:cs typeface="Arial"/>
+                </a:rPr>
+                <a:t>5th</a:t>
+              </a:r>
+            </a:p>
+          </p:txBody>
+        </p:sp>
+        <p:sp>
+          <p:nvSpPr>
+            <p:cNvPr id="23" name="tx22"/>
+            <p:cNvSpPr/>
+            <p:nvPr/>
+          </p:nvSpPr>
+          <p:spPr>
+            <a:xfrm>
+              <a:off x="3452563" y="2702651"/>
+              <a:ext cx="668691" cy="237718"/>
+            </a:xfrm>
+            <a:prstGeom prst="rect">
+              <a:avLst/>
+            </a:prstGeom>
+            <a:noFill/>
+          </p:spPr>
+          <p:txBody>
+            <a:bodyPr lIns="0" rIns="0" tIns="0" bIns="0" anchorCtr="1" anchor="ctr" wrap="none"/>
+            <a:lstStyle/>
+            <a:p>
+              <a:pPr algn="l" marL="0" marR="0" indent="0">
+                <a:lnSpc>
+                  <a:spcPts val="2560"/>
+                </a:lnSpc>
+                <a:spcBef>
+                  <a:spcPts val="0"/>
+                </a:spcBef>
+                <a:spcAft>
+                  <a:spcPts val="0"/>
+                </a:spcAft>
+              </a:pPr>
+              <a:r>
+                <a:rPr sz="2560" b="1">
+                  <a:solidFill>
+                    <a:srgbClr val="FFFFFF">
+                      <a:alpha val="100000"/>
+                    </a:srgbClr>
+                  </a:solidFill>
+                  <a:latin typeface="Arial"/>
+                  <a:cs typeface="Arial"/>
+                </a:rPr>
+                <a:t>10th</a:t>
+              </a:r>
+            </a:p>
+          </p:txBody>
+        </p:sp>
+        <p:sp>
+          <p:nvSpPr>
+            <p:cNvPr id="24" name="tx23"/>
+            <p:cNvSpPr/>
+            <p:nvPr/>
+          </p:nvSpPr>
+          <p:spPr>
+            <a:xfrm>
+              <a:off x="4991957" y="2702651"/>
+              <a:ext cx="668691" cy="237718"/>
+            </a:xfrm>
+            <a:prstGeom prst="rect">
+              <a:avLst/>
+            </a:prstGeom>
+            <a:noFill/>
+          </p:spPr>
+          <p:txBody>
+            <a:bodyPr lIns="0" rIns="0" tIns="0" bIns="0" anchorCtr="1" anchor="ctr" wrap="none"/>
+            <a:lstStyle/>
+            <a:p>
+              <a:pPr algn="l" marL="0" marR="0" indent="0">
+                <a:lnSpc>
+                  <a:spcPts val="2560"/>
+                </a:lnSpc>
+                <a:spcBef>
+                  <a:spcPts val="0"/>
+                </a:spcBef>
+                <a:spcAft>
+                  <a:spcPts val="0"/>
+                </a:spcAft>
+              </a:pPr>
+              <a:r>
+                <a:rPr sz="2560" b="1">
+                  <a:solidFill>
+                    <a:srgbClr val="FFFFFF">
+                      <a:alpha val="100000"/>
+                    </a:srgbClr>
+                  </a:solidFill>
+                  <a:latin typeface="Arial"/>
+                  <a:cs typeface="Arial"/>
+                </a:rPr>
+                <a:t>15th</a:t>
+              </a:r>
+            </a:p>
+          </p:txBody>
+        </p:sp>
+        <p:sp>
+          <p:nvSpPr>
+            <p:cNvPr id="25" name="tx24"/>
+            <p:cNvSpPr/>
+            <p:nvPr/>
+          </p:nvSpPr>
+          <p:spPr>
+            <a:xfrm>
+              <a:off x="6531351" y="2702651"/>
+              <a:ext cx="668691" cy="237718"/>
+            </a:xfrm>
+            <a:prstGeom prst="rect">
+              <a:avLst/>
+            </a:prstGeom>
+            <a:noFill/>
+          </p:spPr>
+          <p:txBody>
+            <a:bodyPr lIns="0" rIns="0" tIns="0" bIns="0" anchorCtr="1" anchor="ctr" wrap="none"/>
+            <a:lstStyle/>
+            <a:p>
+              <a:pPr algn="l" marL="0" marR="0" indent="0">
+                <a:lnSpc>
+                  <a:spcPts val="2560"/>
+                </a:lnSpc>
+                <a:spcBef>
+                  <a:spcPts val="0"/>
+                </a:spcBef>
+                <a:spcAft>
+                  <a:spcPts val="0"/>
+                </a:spcAft>
+              </a:pPr>
+              <a:r>
+                <a:rPr sz="2560" b="1">
+                  <a:solidFill>
+                    <a:srgbClr val="FFFFFF">
+                      <a:alpha val="100000"/>
+                    </a:srgbClr>
+                  </a:solidFill>
+                  <a:latin typeface="Arial"/>
+                  <a:cs typeface="Arial"/>
+                </a:rPr>
+                <a:t>20th</a:t>
+              </a:r>
+            </a:p>
+          </p:txBody>
+        </p:sp>
+        <p:sp>
+          <p:nvSpPr>
+            <p:cNvPr id="26" name="tx25"/>
+            <p:cNvSpPr/>
+            <p:nvPr/>
+          </p:nvSpPr>
+          <p:spPr>
+            <a:xfrm>
+              <a:off x="8070745" y="2702651"/>
+              <a:ext cx="668691" cy="237718"/>
+            </a:xfrm>
+            <a:prstGeom prst="rect">
+              <a:avLst/>
+            </a:prstGeom>
+            <a:noFill/>
+          </p:spPr>
+          <p:txBody>
+            <a:bodyPr lIns="0" rIns="0" tIns="0" bIns="0" anchorCtr="1" anchor="ctr" wrap="none"/>
+            <a:lstStyle/>
+            <a:p>
+              <a:pPr algn="l" marL="0" marR="0" indent="0">
+                <a:lnSpc>
+                  <a:spcPts val="2560"/>
+                </a:lnSpc>
+                <a:spcBef>
+                  <a:spcPts val="0"/>
+                </a:spcBef>
+                <a:spcAft>
+                  <a:spcPts val="0"/>
+                </a:spcAft>
+              </a:pPr>
+              <a:r>
+                <a:rPr sz="2560" b="1">
+                  <a:solidFill>
+                    <a:srgbClr val="FFFFFF">
+                      <a:alpha val="100000"/>
+                    </a:srgbClr>
+                  </a:solidFill>
+                  <a:latin typeface="Arial"/>
+                  <a:cs typeface="Arial"/>
+                </a:rPr>
+                <a:t>25th</a:t>
+              </a:r>
+            </a:p>
+          </p:txBody>
+        </p:sp>
+        <p:sp>
+          <p:nvSpPr>
+            <p:cNvPr id="27" name="tx26"/>
+            <p:cNvSpPr/>
+            <p:nvPr/>
+          </p:nvSpPr>
+          <p:spPr>
+            <a:xfrm>
+              <a:off x="9610139" y="2702651"/>
+              <a:ext cx="668691" cy="237718"/>
+            </a:xfrm>
+            <a:prstGeom prst="rect">
+              <a:avLst/>
+            </a:prstGeom>
+            <a:noFill/>
+          </p:spPr>
+          <p:txBody>
+            <a:bodyPr lIns="0" rIns="0" tIns="0" bIns="0" anchorCtr="1" anchor="ctr" wrap="none"/>
+            <a:lstStyle/>
+            <a:p>
+              <a:pPr algn="l" marL="0" marR="0" indent="0">
+                <a:lnSpc>
+                  <a:spcPts val="2560"/>
+                </a:lnSpc>
+                <a:spcBef>
+                  <a:spcPts val="0"/>
+                </a:spcBef>
+                <a:spcAft>
+                  <a:spcPts val="0"/>
+                </a:spcAft>
+              </a:pPr>
+              <a:r>
+                <a:rPr sz="2560" b="1">
+                  <a:solidFill>
+                    <a:srgbClr val="FFFFFF">
+                      <a:alpha val="100000"/>
+                    </a:srgbClr>
+                  </a:solidFill>
+                  <a:latin typeface="Arial"/>
+                  <a:cs typeface="Arial"/>
+                </a:rPr>
+                <a:t>30th</a:t>
+              </a:r>
+            </a:p>
+          </p:txBody>
+        </p:sp>
+        <p:sp>
+          <p:nvSpPr>
+            <p:cNvPr id="28" name="tx27"/>
+            <p:cNvSpPr/>
+            <p:nvPr/>
+          </p:nvSpPr>
+          <p:spPr>
+            <a:xfrm>
+              <a:off x="11054572" y="2702651"/>
+              <a:ext cx="858612" cy="237718"/>
+            </a:xfrm>
+            <a:prstGeom prst="rect">
+              <a:avLst/>
+            </a:prstGeom>
+            <a:noFill/>
+          </p:spPr>
+          <p:txBody>
+            <a:bodyPr lIns="0" rIns="0" tIns="0" bIns="0" anchorCtr="1" anchor="ctr" wrap="none"/>
+            <a:lstStyle/>
+            <a:p>
+              <a:pPr algn="l" marL="0" marR="0" indent="0">
+                <a:lnSpc>
+                  <a:spcPts val="2560"/>
+                </a:lnSpc>
+                <a:spcBef>
+                  <a:spcPts val="0"/>
+                </a:spcBef>
+                <a:spcAft>
+                  <a:spcPts val="0"/>
+                </a:spcAft>
+              </a:pPr>
+              <a:r>
+                <a:rPr sz="2560" b="1">
+                  <a:solidFill>
+                    <a:srgbClr val="FFFFFF">
+                      <a:alpha val="100000"/>
+                    </a:srgbClr>
+                  </a:solidFill>
+                  <a:latin typeface="Arial"/>
+                  <a:cs typeface="Arial"/>
+                </a:rPr>
+                <a:t>40th+</a:t>
+              </a:r>
+            </a:p>
+          </p:txBody>
+        </p:sp>
+      </p:grpSp>
+    </p:spTree>
+  </p:cSld>
+  <p:clrMapOvr>
+    <a:masterClrMapping/>
+  </p:clrMapOvr>
+</p:sld>
+</file>
+
+<file path=ppt/slides/slide27.xml><?xml version="1.0" encoding="utf-8"?>
+<p:sld xmlns:a="http://schemas.openxmlformats.org/drawingml/2006/main" xmlns:r="http://schemas.openxmlformats.org/officeDocument/2006/relationships" xmlns:p="http://schemas.openxmlformats.org/presentationml/2006/main">
+  <p:cSld>
+    <p:spTree>
+      <p:nvGrpSpPr>
+        <p:cNvPr id="1" name=""/>
+        <p:cNvGrpSpPr/>
+        <p:nvPr/>
+      </p:nvGrpSpPr>
+      <p:grpSpPr>
+        <a:xfrm>
+          <a:off x="0" y="0"/>
+          <a:ext cx="0" cy="0"/>
+          <a:chOff x="0" y="0"/>
+          <a:chExt cx="0" cy="0"/>
+        </a:xfrm>
+      </p:grpSpPr>
+      <p:sp>
+        <p:nvSpPr>
+          <p:cNvPr id="2" name=""/>
+          <p:cNvSpPr>
+            <a:spLocks noGrp="1"/>
+          </p:cNvSpPr>
+          <p:nvPr>
+            <p:ph/>
+          </p:nvPr>
+        </p:nvSpPr>
+        <p:spPr>
+          <a:xfrm>
+            <a:off x="365760" y="182880"/>
+            <a:ext cx="11277600" cy="731520"/>
+          </a:xfrm>
+        </p:spPr>
+        <p:txBody>
+          <a:bodyPr/>
+          <a:lstStyle/>
+          <a:p>
+            <a:pPr algn="l" marL="0" marR="0">
+              <a:lnSpc>
+                <a:spcPct val="100000"/>
+              </a:lnSpc>
+              <a:spcBef>
+                <a:spcPts val="0"/>
+              </a:spcBef>
+              <a:spcAft>
+                <a:spcPts val="0"/>
+              </a:spcAft>
+              <a:buNone/>
+            </a:pPr>
+            <a:r>
+              <a:rPr cap="none" sz="2800" i="0" b="1" u="none">
+                <a:solidFill>
+                  <a:srgbClr val="323233">
+                    <a:alpha val="100000"/>
+                  </a:srgbClr>
+                </a:solidFill>
+                <a:latin typeface="Arial"/>
+                <a:cs typeface="Arial"/>
+                <a:ea typeface="Arial"/>
+                <a:sym typeface="Arial"/>
+              </a:rPr>
+              <a:t>TQI</a:t>
+            </a:r>
+          </a:p>
+        </p:txBody>
+      </p:sp>
+      <p:grpSp xmlns:pic="http://schemas.openxmlformats.org/drawingml/2006/picture">
+        <p:nvGrpSpPr>
+          <p:cNvPr id="3" name=""/>
+          <p:cNvGrpSpPr/>
+          <p:nvPr/>
+        </p:nvGrpSpPr>
+        <p:grpSpPr>
+          <a:xfrm>
+            <a:off x="0" y="914400"/>
+            <a:ext cx="12192000" cy="5577840"/>
+            <a:chOff x="0" y="914400"/>
+            <a:chExt cx="12192000" cy="5577840"/>
+          </a:xfrm>
+        </p:grpSpPr>
+        <p:sp>
+          <p:nvSpPr>
+            <p:cNvPr id="4" name="pl3"/>
+            <p:cNvSpPr/>
+            <p:nvPr/>
+          </p:nvSpPr>
+          <p:spPr>
+            <a:xfrm>
+              <a:off x="0" y="3703320"/>
+              <a:ext cx="12192000" cy="0"/>
+            </a:xfrm>
+            <a:custGeom>
+              <a:avLst/>
+              <a:pathLst>
+                <a:path w="12192000" h="0">
+                  <a:moveTo>
+                    <a:pt x="0" y="0"/>
+                  </a:moveTo>
+                  <a:lnTo>
+                    <a:pt x="12192000" y="0"/>
+                  </a:lnTo>
+                </a:path>
+              </a:pathLst>
+            </a:custGeom>
+            <a:ln w="27101" cap="flat">
+              <a:solidFill>
+                <a:srgbClr val="FFFFFF">
+                  <a:alpha val="100000"/>
+                </a:srgbClr>
+              </a:solidFill>
+              <a:prstDash val="solid"/>
+              <a:round/>
+            </a:ln>
+          </p:spPr>
+          <p:txBody>
+            <a:bodyPr/>
+            <a:lstStyle/>
+            <a:p/>
+          </p:txBody>
+        </p:sp>
+        <p:sp>
+          <p:nvSpPr>
+            <p:cNvPr id="5" name="pt4"/>
+            <p:cNvSpPr/>
+            <p:nvPr/>
+          </p:nvSpPr>
+          <p:spPr>
+            <a:xfrm>
+              <a:off x="148096" y="3143295"/>
+              <a:ext cx="1120050" cy="1120050"/>
+            </a:xfrm>
+            <a:prstGeom prst="ellipse">
+              <a:avLst/>
+            </a:prstGeom>
+            <a:solidFill>
+              <a:srgbClr val="FFFFFF">
+                <a:alpha val="100000"/>
+              </a:srgbClr>
+            </a:solidFill>
+            <a:ln w="36000" cap="rnd">
+              <a:solidFill>
+                <a:srgbClr val="01A3A2">
+                  <a:alpha val="100000"/>
+                </a:srgbClr>
+              </a:solidFill>
+              <a:prstDash val="solid"/>
+              <a:round/>
+            </a:ln>
+          </p:spPr>
+          <p:txBody>
+            <a:bodyPr/>
+            <a:lstStyle/>
+            <a:p/>
+          </p:txBody>
+        </p:sp>
+        <p:sp>
+          <p:nvSpPr>
+            <p:cNvPr id="6" name="pt5"/>
+            <p:cNvSpPr/>
+            <p:nvPr/>
+          </p:nvSpPr>
+          <p:spPr>
+            <a:xfrm>
+              <a:off x="1687490" y="3143295"/>
+              <a:ext cx="1120050" cy="1120050"/>
+            </a:xfrm>
+            <a:prstGeom prst="ellipse">
+              <a:avLst/>
+            </a:prstGeom>
+            <a:solidFill>
+              <a:srgbClr val="FFFFFF">
+                <a:alpha val="100000"/>
+              </a:srgbClr>
+            </a:solidFill>
+            <a:ln w="36000" cap="rnd">
+              <a:solidFill>
+                <a:srgbClr val="01A3A2">
+                  <a:alpha val="100000"/>
+                </a:srgbClr>
+              </a:solidFill>
+              <a:prstDash val="solid"/>
+              <a:round/>
+            </a:ln>
+          </p:spPr>
+          <p:txBody>
+            <a:bodyPr/>
+            <a:lstStyle/>
+            <a:p/>
+          </p:txBody>
+        </p:sp>
+        <p:sp>
+          <p:nvSpPr>
+            <p:cNvPr id="7" name="pt6"/>
+            <p:cNvSpPr/>
+            <p:nvPr/>
+          </p:nvSpPr>
+          <p:spPr>
+            <a:xfrm>
+              <a:off x="3226884" y="3143295"/>
+              <a:ext cx="1120050" cy="1120050"/>
+            </a:xfrm>
+            <a:prstGeom prst="ellipse">
+              <a:avLst/>
+            </a:prstGeom>
+            <a:solidFill>
+              <a:srgbClr val="FFFFFF">
+                <a:alpha val="100000"/>
+              </a:srgbClr>
+            </a:solidFill>
+            <a:ln w="36000" cap="rnd">
+              <a:solidFill>
+                <a:srgbClr val="01A3A2">
+                  <a:alpha val="100000"/>
+                </a:srgbClr>
+              </a:solidFill>
+              <a:prstDash val="solid"/>
+              <a:round/>
+            </a:ln>
+          </p:spPr>
+          <p:txBody>
+            <a:bodyPr/>
+            <a:lstStyle/>
+            <a:p/>
+          </p:txBody>
+        </p:sp>
+        <p:sp>
+          <p:nvSpPr>
+            <p:cNvPr id="8" name="pt7"/>
+            <p:cNvSpPr/>
+            <p:nvPr/>
+          </p:nvSpPr>
+          <p:spPr>
+            <a:xfrm>
+              <a:off x="4766278" y="3143295"/>
+              <a:ext cx="1120050" cy="1120050"/>
+            </a:xfrm>
+            <a:prstGeom prst="ellipse">
+              <a:avLst/>
+            </a:prstGeom>
+            <a:solidFill>
+              <a:srgbClr val="FFFFFF">
+                <a:alpha val="100000"/>
+              </a:srgbClr>
+            </a:solidFill>
+            <a:ln w="36000" cap="rnd">
+              <a:solidFill>
+                <a:srgbClr val="01A3A2">
+                  <a:alpha val="100000"/>
+                </a:srgbClr>
+              </a:solidFill>
+              <a:prstDash val="solid"/>
+              <a:round/>
+            </a:ln>
+          </p:spPr>
+          <p:txBody>
+            <a:bodyPr/>
+            <a:lstStyle/>
+            <a:p/>
+          </p:txBody>
+        </p:sp>
+        <p:sp>
+          <p:nvSpPr>
+            <p:cNvPr id="9" name="pt8"/>
+            <p:cNvSpPr/>
+            <p:nvPr/>
+          </p:nvSpPr>
+          <p:spPr>
+            <a:xfrm>
+              <a:off x="6305671" y="3143295"/>
+              <a:ext cx="1120050" cy="1120050"/>
+            </a:xfrm>
+            <a:prstGeom prst="ellipse">
+              <a:avLst/>
+            </a:prstGeom>
+            <a:solidFill>
+              <a:srgbClr val="FFFFFF">
+                <a:alpha val="100000"/>
+              </a:srgbClr>
+            </a:solidFill>
+            <a:ln w="36000" cap="rnd">
+              <a:solidFill>
+                <a:srgbClr val="01A3A2">
+                  <a:alpha val="100000"/>
+                </a:srgbClr>
+              </a:solidFill>
+              <a:prstDash val="solid"/>
+              <a:round/>
+            </a:ln>
+          </p:spPr>
+          <p:txBody>
+            <a:bodyPr/>
+            <a:lstStyle/>
+            <a:p/>
+          </p:txBody>
+        </p:sp>
+        <p:sp>
+          <p:nvSpPr>
+            <p:cNvPr id="10" name="pt9"/>
+            <p:cNvSpPr/>
+            <p:nvPr/>
+          </p:nvSpPr>
+          <p:spPr>
+            <a:xfrm>
+              <a:off x="7845065" y="3143295"/>
+              <a:ext cx="1120050" cy="1120050"/>
+            </a:xfrm>
+            <a:prstGeom prst="ellipse">
+              <a:avLst/>
+            </a:prstGeom>
+            <a:solidFill>
+              <a:srgbClr val="FFFFFF">
+                <a:alpha val="100000"/>
+              </a:srgbClr>
+            </a:solidFill>
+            <a:ln w="36000" cap="rnd">
+              <a:solidFill>
+                <a:srgbClr val="01A3A2">
+                  <a:alpha val="100000"/>
+                </a:srgbClr>
+              </a:solidFill>
+              <a:prstDash val="solid"/>
+              <a:round/>
+            </a:ln>
+          </p:spPr>
+          <p:txBody>
+            <a:bodyPr/>
+            <a:lstStyle/>
+            <a:p/>
+          </p:txBody>
+        </p:sp>
+        <p:sp>
+          <p:nvSpPr>
+            <p:cNvPr id="11" name="pt10"/>
+            <p:cNvSpPr/>
+            <p:nvPr/>
+          </p:nvSpPr>
+          <p:spPr>
+            <a:xfrm>
+              <a:off x="9384459" y="3143295"/>
+              <a:ext cx="1120050" cy="1120050"/>
+            </a:xfrm>
+            <a:prstGeom prst="ellipse">
+              <a:avLst/>
+            </a:prstGeom>
+            <a:solidFill>
+              <a:srgbClr val="FFFFFF">
+                <a:alpha val="100000"/>
+              </a:srgbClr>
+            </a:solidFill>
+            <a:ln w="36000" cap="rnd">
+              <a:solidFill>
+                <a:srgbClr val="01A3A2">
+                  <a:alpha val="100000"/>
+                </a:srgbClr>
+              </a:solidFill>
+              <a:prstDash val="solid"/>
+              <a:round/>
+            </a:ln>
+          </p:spPr>
+          <p:txBody>
+            <a:bodyPr/>
+            <a:lstStyle/>
+            <a:p/>
+          </p:txBody>
+        </p:sp>
+        <p:sp>
+          <p:nvSpPr>
+            <p:cNvPr id="12" name="pt11"/>
+            <p:cNvSpPr/>
+            <p:nvPr/>
+          </p:nvSpPr>
+          <p:spPr>
+            <a:xfrm>
+              <a:off x="10923853" y="3143295"/>
+              <a:ext cx="1120050" cy="1120050"/>
+            </a:xfrm>
+            <a:prstGeom prst="ellipse">
+              <a:avLst/>
+            </a:prstGeom>
+            <a:solidFill>
+              <a:srgbClr val="FFFFFF">
+                <a:alpha val="100000"/>
+              </a:srgbClr>
+            </a:solidFill>
+            <a:ln w="36000" cap="rnd">
+              <a:solidFill>
+                <a:srgbClr val="01A3A2">
+                  <a:alpha val="100000"/>
+                </a:srgbClr>
+              </a:solidFill>
+              <a:prstDash val="solid"/>
+              <a:round/>
+            </a:ln>
+          </p:spPr>
+          <p:txBody>
+            <a:bodyPr/>
+            <a:lstStyle/>
+            <a:p/>
+          </p:txBody>
+        </p:sp>
+        <p:sp>
+          <p:nvSpPr>
+            <p:cNvPr id="13" name="tx12"/>
+            <p:cNvSpPr/>
+            <p:nvPr/>
+          </p:nvSpPr>
+          <p:spPr>
+            <a:xfrm>
+              <a:off x="482074" y="3624255"/>
+              <a:ext cx="452093" cy="237718"/>
+            </a:xfrm>
+            <a:prstGeom prst="rect">
+              <a:avLst/>
+            </a:prstGeom>
+            <a:noFill/>
+          </p:spPr>
+          <p:txBody>
+            <a:bodyPr lIns="0" rIns="0" tIns="0" bIns="0" anchorCtr="1" anchor="ctr" wrap="none"/>
+            <a:lstStyle/>
+            <a:p>
+              <a:pPr algn="l" marL="0" marR="0" indent="0">
+                <a:lnSpc>
+                  <a:spcPts val="2560"/>
+                </a:lnSpc>
+                <a:spcBef>
+                  <a:spcPts val="0"/>
+                </a:spcBef>
+                <a:spcAft>
+                  <a:spcPts val="0"/>
+                </a:spcAft>
+              </a:pPr>
+              <a:r>
+                <a:rPr sz="2560" b="1">
+                  <a:solidFill>
+                    <a:srgbClr val="333232">
+                      <a:alpha val="100000"/>
+                    </a:srgbClr>
+                  </a:solidFill>
+                  <a:latin typeface="Arial"/>
+                  <a:cs typeface="Arial"/>
+                </a:rPr>
+                <a:t>6.1</a:t>
+              </a:r>
+            </a:p>
+          </p:txBody>
+        </p:sp>
+        <p:sp>
+          <p:nvSpPr>
+            <p:cNvPr id="14" name="tx13"/>
+            <p:cNvSpPr/>
+            <p:nvPr/>
+          </p:nvSpPr>
+          <p:spPr>
+            <a:xfrm>
+              <a:off x="2021468" y="3624255"/>
+              <a:ext cx="452093" cy="237718"/>
+            </a:xfrm>
+            <a:prstGeom prst="rect">
+              <a:avLst/>
+            </a:prstGeom>
+            <a:noFill/>
+          </p:spPr>
+          <p:txBody>
+            <a:bodyPr lIns="0" rIns="0" tIns="0" bIns="0" anchorCtr="1" anchor="ctr" wrap="none"/>
+            <a:lstStyle/>
+            <a:p>
+              <a:pPr algn="l" marL="0" marR="0" indent="0">
+                <a:lnSpc>
+                  <a:spcPts val="2560"/>
+                </a:lnSpc>
+                <a:spcBef>
+                  <a:spcPts val="0"/>
+                </a:spcBef>
+                <a:spcAft>
+                  <a:spcPts val="0"/>
+                </a:spcAft>
+              </a:pPr>
+              <a:r>
+                <a:rPr sz="2560" b="1">
+                  <a:solidFill>
+                    <a:srgbClr val="333232">
+                      <a:alpha val="100000"/>
+                    </a:srgbClr>
+                  </a:solidFill>
+                  <a:latin typeface="Arial"/>
+                  <a:cs typeface="Arial"/>
+                </a:rPr>
+                <a:t>6.5</a:t>
+              </a:r>
+            </a:p>
+          </p:txBody>
+        </p:sp>
+        <p:sp>
+          <p:nvSpPr>
+            <p:cNvPr id="15" name="tx14"/>
+            <p:cNvSpPr/>
+            <p:nvPr/>
+          </p:nvSpPr>
+          <p:spPr>
+            <a:xfrm>
+              <a:off x="3560862" y="3624255"/>
+              <a:ext cx="452093" cy="237718"/>
+            </a:xfrm>
+            <a:prstGeom prst="rect">
+              <a:avLst/>
+            </a:prstGeom>
+            <a:noFill/>
+          </p:spPr>
+          <p:txBody>
+            <a:bodyPr lIns="0" rIns="0" tIns="0" bIns="0" anchorCtr="1" anchor="ctr" wrap="none"/>
+            <a:lstStyle/>
+            <a:p>
+              <a:pPr algn="l" marL="0" marR="0" indent="0">
+                <a:lnSpc>
+                  <a:spcPts val="2560"/>
+                </a:lnSpc>
+                <a:spcBef>
+                  <a:spcPts val="0"/>
+                </a:spcBef>
+                <a:spcAft>
+                  <a:spcPts val="0"/>
+                </a:spcAft>
+              </a:pPr>
+              <a:r>
+                <a:rPr sz="2560" b="1">
+                  <a:solidFill>
+                    <a:srgbClr val="333232">
+                      <a:alpha val="100000"/>
+                    </a:srgbClr>
+                  </a:solidFill>
+                  <a:latin typeface="Arial"/>
+                  <a:cs typeface="Arial"/>
+                </a:rPr>
+                <a:t>6.3</a:t>
+              </a:r>
+            </a:p>
+          </p:txBody>
+        </p:sp>
+        <p:sp>
+          <p:nvSpPr>
+            <p:cNvPr id="16" name="tx15"/>
+            <p:cNvSpPr/>
+            <p:nvPr/>
+          </p:nvSpPr>
+          <p:spPr>
+            <a:xfrm>
+              <a:off x="5100256" y="3628384"/>
+              <a:ext cx="452093" cy="233589"/>
+            </a:xfrm>
+            <a:prstGeom prst="rect">
+              <a:avLst/>
+            </a:prstGeom>
+            <a:noFill/>
+          </p:spPr>
+          <p:txBody>
+            <a:bodyPr lIns="0" rIns="0" tIns="0" bIns="0" anchorCtr="1" anchor="ctr" wrap="none"/>
+            <a:lstStyle/>
+            <a:p>
+              <a:pPr algn="l" marL="0" marR="0" indent="0">
+                <a:lnSpc>
+                  <a:spcPts val="2560"/>
+                </a:lnSpc>
+                <a:spcBef>
+                  <a:spcPts val="0"/>
+                </a:spcBef>
+                <a:spcAft>
+                  <a:spcPts val="0"/>
+                </a:spcAft>
+              </a:pPr>
+              <a:r>
+                <a:rPr sz="2560" b="1">
+                  <a:solidFill>
+                    <a:srgbClr val="333232">
+                      <a:alpha val="100000"/>
+                    </a:srgbClr>
+                  </a:solidFill>
+                  <a:latin typeface="Arial"/>
+                  <a:cs typeface="Arial"/>
+                </a:rPr>
+                <a:t>5.7</a:t>
+              </a:r>
+            </a:p>
+          </p:txBody>
+        </p:sp>
+        <p:sp>
+          <p:nvSpPr>
+            <p:cNvPr id="17" name="tx16"/>
+            <p:cNvSpPr/>
+            <p:nvPr/>
+          </p:nvSpPr>
+          <p:spPr>
+            <a:xfrm>
+              <a:off x="6639650" y="3624255"/>
+              <a:ext cx="452093" cy="237718"/>
+            </a:xfrm>
+            <a:prstGeom prst="rect">
+              <a:avLst/>
+            </a:prstGeom>
+            <a:noFill/>
+          </p:spPr>
+          <p:txBody>
+            <a:bodyPr lIns="0" rIns="0" tIns="0" bIns="0" anchorCtr="1" anchor="ctr" wrap="none"/>
+            <a:lstStyle/>
+            <a:p>
+              <a:pPr algn="l" marL="0" marR="0" indent="0">
+                <a:lnSpc>
+                  <a:spcPts val="2560"/>
+                </a:lnSpc>
+                <a:spcBef>
+                  <a:spcPts val="0"/>
+                </a:spcBef>
+                <a:spcAft>
+                  <a:spcPts val="0"/>
+                </a:spcAft>
+              </a:pPr>
+              <a:r>
+                <a:rPr sz="2560" b="1">
+                  <a:solidFill>
+                    <a:srgbClr val="333232">
+                      <a:alpha val="100000"/>
+                    </a:srgbClr>
+                  </a:solidFill>
+                  <a:latin typeface="Arial"/>
+                  <a:cs typeface="Arial"/>
+                </a:rPr>
+                <a:t>6.1</a:t>
+              </a:r>
+            </a:p>
+          </p:txBody>
+        </p:sp>
+        <p:sp>
+          <p:nvSpPr>
+            <p:cNvPr id="18" name="tx17"/>
+            <p:cNvSpPr/>
+            <p:nvPr/>
+          </p:nvSpPr>
+          <p:spPr>
+            <a:xfrm>
+              <a:off x="8179044" y="3628384"/>
+              <a:ext cx="452093" cy="233589"/>
+            </a:xfrm>
+            <a:prstGeom prst="rect">
+              <a:avLst/>
+            </a:prstGeom>
+            <a:noFill/>
+          </p:spPr>
+          <p:txBody>
+            <a:bodyPr lIns="0" rIns="0" tIns="0" bIns="0" anchorCtr="1" anchor="ctr" wrap="none"/>
+            <a:lstStyle/>
+            <a:p>
+              <a:pPr algn="l" marL="0" marR="0" indent="0">
+                <a:lnSpc>
+                  <a:spcPts val="2560"/>
+                </a:lnSpc>
+                <a:spcBef>
+                  <a:spcPts val="0"/>
+                </a:spcBef>
+                <a:spcAft>
+                  <a:spcPts val="0"/>
+                </a:spcAft>
+              </a:pPr>
+              <a:r>
+                <a:rPr sz="2560" b="1">
+                  <a:solidFill>
+                    <a:srgbClr val="333232">
+                      <a:alpha val="100000"/>
+                    </a:srgbClr>
+                  </a:solidFill>
+                  <a:latin typeface="Arial"/>
+                  <a:cs typeface="Arial"/>
+                </a:rPr>
+                <a:t>5.7</a:t>
+              </a:r>
+            </a:p>
+          </p:txBody>
+        </p:sp>
+        <p:sp>
+          <p:nvSpPr>
+            <p:cNvPr id="19" name="tx18"/>
+            <p:cNvSpPr/>
+            <p:nvPr/>
+          </p:nvSpPr>
+          <p:spPr>
+            <a:xfrm>
+              <a:off x="9854050" y="3624255"/>
+              <a:ext cx="180869" cy="237718"/>
+            </a:xfrm>
+            <a:prstGeom prst="rect">
+              <a:avLst/>
+            </a:prstGeom>
+            <a:noFill/>
+          </p:spPr>
+          <p:txBody>
+            <a:bodyPr lIns="0" rIns="0" tIns="0" bIns="0" anchorCtr="1" anchor="ctr" wrap="none"/>
+            <a:lstStyle/>
+            <a:p>
+              <a:pPr algn="l" marL="0" marR="0" indent="0">
+                <a:lnSpc>
+                  <a:spcPts val="2560"/>
+                </a:lnSpc>
+                <a:spcBef>
+                  <a:spcPts val="0"/>
+                </a:spcBef>
+                <a:spcAft>
+                  <a:spcPts val="0"/>
+                </a:spcAft>
+              </a:pPr>
+              <a:r>
+                <a:rPr sz="2560" b="1">
+                  <a:solidFill>
+                    <a:srgbClr val="333232">
+                      <a:alpha val="100000"/>
+                    </a:srgbClr>
+                  </a:solidFill>
+                  <a:latin typeface="Arial"/>
+                  <a:cs typeface="Arial"/>
+                </a:rPr>
+                <a:t>6</a:t>
+              </a:r>
+            </a:p>
+          </p:txBody>
+        </p:sp>
+        <p:sp>
+          <p:nvSpPr>
+            <p:cNvPr id="20" name="tx19"/>
+            <p:cNvSpPr/>
+            <p:nvPr/>
+          </p:nvSpPr>
+          <p:spPr>
+            <a:xfrm>
+              <a:off x="11257832" y="3628384"/>
+              <a:ext cx="452093" cy="233589"/>
+            </a:xfrm>
+            <a:prstGeom prst="rect">
+              <a:avLst/>
+            </a:prstGeom>
+            <a:noFill/>
+          </p:spPr>
+          <p:txBody>
+            <a:bodyPr lIns="0" rIns="0" tIns="0" bIns="0" anchorCtr="1" anchor="ctr" wrap="none"/>
+            <a:lstStyle/>
+            <a:p>
+              <a:pPr algn="l" marL="0" marR="0" indent="0">
+                <a:lnSpc>
+                  <a:spcPts val="2560"/>
+                </a:lnSpc>
+                <a:spcBef>
+                  <a:spcPts val="0"/>
+                </a:spcBef>
+                <a:spcAft>
+                  <a:spcPts val="0"/>
+                </a:spcAft>
+              </a:pPr>
+              <a:r>
+                <a:rPr sz="2560" b="1">
+                  <a:solidFill>
+                    <a:srgbClr val="333232">
+                      <a:alpha val="100000"/>
+                    </a:srgbClr>
+                  </a:solidFill>
+                  <a:latin typeface="Arial"/>
+                  <a:cs typeface="Arial"/>
+                </a:rPr>
+                <a:t>5.7</a:t>
+              </a:r>
+            </a:p>
+          </p:txBody>
+        </p:sp>
+        <p:sp>
+          <p:nvSpPr>
+            <p:cNvPr id="21" name="tx20"/>
+            <p:cNvSpPr/>
+            <p:nvPr/>
+          </p:nvSpPr>
+          <p:spPr>
+            <a:xfrm>
+              <a:off x="473102" y="2702810"/>
+              <a:ext cx="470037" cy="237559"/>
+            </a:xfrm>
+            <a:prstGeom prst="rect">
+              <a:avLst/>
+            </a:prstGeom>
+            <a:noFill/>
+          </p:spPr>
+          <p:txBody>
+            <a:bodyPr lIns="0" rIns="0" tIns="0" bIns="0" anchorCtr="1" anchor="ctr" wrap="none"/>
+            <a:lstStyle/>
+            <a:p>
+              <a:pPr algn="l" marL="0" marR="0" indent="0">
+                <a:lnSpc>
+                  <a:spcPts val="2560"/>
+                </a:lnSpc>
+                <a:spcBef>
+                  <a:spcPts val="0"/>
+                </a:spcBef>
+                <a:spcAft>
+                  <a:spcPts val="0"/>
+                </a:spcAft>
+              </a:pPr>
+              <a:r>
+                <a:rPr sz="2560" b="1">
+                  <a:solidFill>
+                    <a:srgbClr val="FFFFFF">
+                      <a:alpha val="100000"/>
+                    </a:srgbClr>
+                  </a:solidFill>
+                  <a:latin typeface="Arial"/>
+                  <a:cs typeface="Arial"/>
+                </a:rPr>
+                <a:t>1st</a:t>
+              </a:r>
+            </a:p>
+          </p:txBody>
+        </p:sp>
+        <p:sp>
+          <p:nvSpPr>
+            <p:cNvPr id="22" name="tx21"/>
+            <p:cNvSpPr/>
+            <p:nvPr/>
+          </p:nvSpPr>
+          <p:spPr>
+            <a:xfrm>
+              <a:off x="2003603" y="2703604"/>
+              <a:ext cx="487822" cy="236765"/>
+            </a:xfrm>
+            <a:prstGeom prst="rect">
+              <a:avLst/>
+            </a:prstGeom>
+            <a:noFill/>
+          </p:spPr>
+          <p:txBody>
+            <a:bodyPr lIns="0" rIns="0" tIns="0" bIns="0" anchorCtr="1" anchor="ctr" wrap="none"/>
+            <a:lstStyle/>
+            <a:p>
+              <a:pPr algn="l" marL="0" marR="0" indent="0">
+                <a:lnSpc>
+                  <a:spcPts val="2560"/>
+                </a:lnSpc>
+                <a:spcBef>
+                  <a:spcPts val="0"/>
+                </a:spcBef>
+                <a:spcAft>
+                  <a:spcPts val="0"/>
+                </a:spcAft>
+              </a:pPr>
+              <a:r>
+                <a:rPr sz="2560" b="1">
+                  <a:solidFill>
+                    <a:srgbClr val="FFFFFF">
+                      <a:alpha val="100000"/>
+                    </a:srgbClr>
+                  </a:solidFill>
+                  <a:latin typeface="Arial"/>
+                  <a:cs typeface="Arial"/>
+                </a:rPr>
+                <a:t>5th</a:t>
+              </a:r>
+            </a:p>
+          </p:txBody>
+        </p:sp>
+        <p:sp>
+          <p:nvSpPr>
+            <p:cNvPr id="23" name="tx22"/>
+            <p:cNvSpPr/>
+            <p:nvPr/>
+          </p:nvSpPr>
+          <p:spPr>
+            <a:xfrm>
+              <a:off x="3452563" y="2702651"/>
+              <a:ext cx="668691" cy="237718"/>
+            </a:xfrm>
+            <a:prstGeom prst="rect">
+              <a:avLst/>
+            </a:prstGeom>
+            <a:noFill/>
+          </p:spPr>
+          <p:txBody>
+            <a:bodyPr lIns="0" rIns="0" tIns="0" bIns="0" anchorCtr="1" anchor="ctr" wrap="none"/>
+            <a:lstStyle/>
+            <a:p>
+              <a:pPr algn="l" marL="0" marR="0" indent="0">
+                <a:lnSpc>
+                  <a:spcPts val="2560"/>
+                </a:lnSpc>
+                <a:spcBef>
+                  <a:spcPts val="0"/>
+                </a:spcBef>
+                <a:spcAft>
+                  <a:spcPts val="0"/>
+                </a:spcAft>
+              </a:pPr>
+              <a:r>
+                <a:rPr sz="2560" b="1">
+                  <a:solidFill>
+                    <a:srgbClr val="FFFFFF">
+                      <a:alpha val="100000"/>
+                    </a:srgbClr>
+                  </a:solidFill>
+                  <a:latin typeface="Arial"/>
+                  <a:cs typeface="Arial"/>
+                </a:rPr>
+                <a:t>10th</a:t>
+              </a:r>
+            </a:p>
+          </p:txBody>
+        </p:sp>
+        <p:sp>
+          <p:nvSpPr>
+            <p:cNvPr id="24" name="tx23"/>
+            <p:cNvSpPr/>
+            <p:nvPr/>
+          </p:nvSpPr>
+          <p:spPr>
+            <a:xfrm>
+              <a:off x="4991957" y="2702651"/>
+              <a:ext cx="668691" cy="237718"/>
+            </a:xfrm>
+            <a:prstGeom prst="rect">
+              <a:avLst/>
+            </a:prstGeom>
+            <a:noFill/>
+          </p:spPr>
+          <p:txBody>
+            <a:bodyPr lIns="0" rIns="0" tIns="0" bIns="0" anchorCtr="1" anchor="ctr" wrap="none"/>
+            <a:lstStyle/>
+            <a:p>
+              <a:pPr algn="l" marL="0" marR="0" indent="0">
+                <a:lnSpc>
+                  <a:spcPts val="2560"/>
+                </a:lnSpc>
+                <a:spcBef>
+                  <a:spcPts val="0"/>
+                </a:spcBef>
+                <a:spcAft>
+                  <a:spcPts val="0"/>
+                </a:spcAft>
+              </a:pPr>
+              <a:r>
+                <a:rPr sz="2560" b="1">
+                  <a:solidFill>
+                    <a:srgbClr val="FFFFFF">
+                      <a:alpha val="100000"/>
+                    </a:srgbClr>
+                  </a:solidFill>
+                  <a:latin typeface="Arial"/>
+                  <a:cs typeface="Arial"/>
+                </a:rPr>
+                <a:t>15th</a:t>
+              </a:r>
+            </a:p>
+          </p:txBody>
+        </p:sp>
+        <p:sp>
+          <p:nvSpPr>
+            <p:cNvPr id="25" name="tx24"/>
+            <p:cNvSpPr/>
+            <p:nvPr/>
+          </p:nvSpPr>
+          <p:spPr>
+            <a:xfrm>
+              <a:off x="6531351" y="2702651"/>
+              <a:ext cx="668691" cy="237718"/>
+            </a:xfrm>
+            <a:prstGeom prst="rect">
+              <a:avLst/>
+            </a:prstGeom>
+            <a:noFill/>
+          </p:spPr>
+          <p:txBody>
+            <a:bodyPr lIns="0" rIns="0" tIns="0" bIns="0" anchorCtr="1" anchor="ctr" wrap="none"/>
+            <a:lstStyle/>
+            <a:p>
+              <a:pPr algn="l" marL="0" marR="0" indent="0">
+                <a:lnSpc>
+                  <a:spcPts val="2560"/>
+                </a:lnSpc>
+                <a:spcBef>
+                  <a:spcPts val="0"/>
+                </a:spcBef>
+                <a:spcAft>
+                  <a:spcPts val="0"/>
+                </a:spcAft>
+              </a:pPr>
+              <a:r>
+                <a:rPr sz="2560" b="1">
+                  <a:solidFill>
+                    <a:srgbClr val="FFFFFF">
+                      <a:alpha val="100000"/>
+                    </a:srgbClr>
+                  </a:solidFill>
+                  <a:latin typeface="Arial"/>
+                  <a:cs typeface="Arial"/>
+                </a:rPr>
+                <a:t>20th</a:t>
+              </a:r>
+            </a:p>
+          </p:txBody>
+        </p:sp>
+        <p:sp>
+          <p:nvSpPr>
+            <p:cNvPr id="26" name="tx25"/>
+            <p:cNvSpPr/>
+            <p:nvPr/>
+          </p:nvSpPr>
+          <p:spPr>
+            <a:xfrm>
+              <a:off x="8070745" y="2702651"/>
+              <a:ext cx="668691" cy="237718"/>
+            </a:xfrm>
+            <a:prstGeom prst="rect">
+              <a:avLst/>
+            </a:prstGeom>
+            <a:noFill/>
+          </p:spPr>
+          <p:txBody>
+            <a:bodyPr lIns="0" rIns="0" tIns="0" bIns="0" anchorCtr="1" anchor="ctr" wrap="none"/>
+            <a:lstStyle/>
+            <a:p>
+              <a:pPr algn="l" marL="0" marR="0" indent="0">
+                <a:lnSpc>
+                  <a:spcPts val="2560"/>
+                </a:lnSpc>
+                <a:spcBef>
+                  <a:spcPts val="0"/>
+                </a:spcBef>
+                <a:spcAft>
+                  <a:spcPts val="0"/>
+                </a:spcAft>
+              </a:pPr>
+              <a:r>
+                <a:rPr sz="2560" b="1">
+                  <a:solidFill>
+                    <a:srgbClr val="FFFFFF">
+                      <a:alpha val="100000"/>
+                    </a:srgbClr>
+                  </a:solidFill>
+                  <a:latin typeface="Arial"/>
+                  <a:cs typeface="Arial"/>
+                </a:rPr>
+                <a:t>25th</a:t>
+              </a:r>
+            </a:p>
+          </p:txBody>
+        </p:sp>
+        <p:sp>
+          <p:nvSpPr>
+            <p:cNvPr id="27" name="tx26"/>
+            <p:cNvSpPr/>
+            <p:nvPr/>
+          </p:nvSpPr>
+          <p:spPr>
+            <a:xfrm>
+              <a:off x="9610139" y="2702651"/>
+              <a:ext cx="668691" cy="237718"/>
+            </a:xfrm>
+            <a:prstGeom prst="rect">
+              <a:avLst/>
+            </a:prstGeom>
+            <a:noFill/>
+          </p:spPr>
+          <p:txBody>
+            <a:bodyPr lIns="0" rIns="0" tIns="0" bIns="0" anchorCtr="1" anchor="ctr" wrap="none"/>
+            <a:lstStyle/>
+            <a:p>
+              <a:pPr algn="l" marL="0" marR="0" indent="0">
+                <a:lnSpc>
+                  <a:spcPts val="2560"/>
+                </a:lnSpc>
+                <a:spcBef>
+                  <a:spcPts val="0"/>
+                </a:spcBef>
+                <a:spcAft>
+                  <a:spcPts val="0"/>
+                </a:spcAft>
+              </a:pPr>
+              <a:r>
+                <a:rPr sz="2560" b="1">
+                  <a:solidFill>
+                    <a:srgbClr val="FFFFFF">
+                      <a:alpha val="100000"/>
+                    </a:srgbClr>
+                  </a:solidFill>
+                  <a:latin typeface="Arial"/>
+                  <a:cs typeface="Arial"/>
+                </a:rPr>
+                <a:t>30th</a:t>
+              </a:r>
+            </a:p>
+          </p:txBody>
+        </p:sp>
+        <p:sp>
+          <p:nvSpPr>
+            <p:cNvPr id="28" name="tx27"/>
+            <p:cNvSpPr/>
+            <p:nvPr/>
+          </p:nvSpPr>
+          <p:spPr>
+            <a:xfrm>
+              <a:off x="11054572" y="2702651"/>
+              <a:ext cx="858612" cy="237718"/>
+            </a:xfrm>
+            <a:prstGeom prst="rect">
+              <a:avLst/>
+            </a:prstGeom>
+            <a:noFill/>
+          </p:spPr>
+          <p:txBody>
+            <a:bodyPr lIns="0" rIns="0" tIns="0" bIns="0" anchorCtr="1" anchor="ctr" wrap="none"/>
+            <a:lstStyle/>
+            <a:p>
+              <a:pPr algn="l" marL="0" marR="0" indent="0">
+                <a:lnSpc>
+                  <a:spcPts val="2560"/>
+                </a:lnSpc>
+                <a:spcBef>
+                  <a:spcPts val="0"/>
+                </a:spcBef>
+                <a:spcAft>
+                  <a:spcPts val="0"/>
+                </a:spcAft>
+              </a:pPr>
+              <a:r>
+                <a:rPr sz="2560" b="1">
+                  <a:solidFill>
+                    <a:srgbClr val="FFFFFF">
+                      <a:alpha val="100000"/>
+                    </a:srgbClr>
+                  </a:solidFill>
+                  <a:latin typeface="Arial"/>
+                  <a:cs typeface="Arial"/>
+                </a:rPr>
+                <a:t>40th+</a:t>
+              </a:r>
+            </a:p>
+          </p:txBody>
+        </p:sp>
+      </p:grpSp>
+    </p:spTree>
+  </p:cSld>
+  <p:clrMapOvr>
+    <a:masterClrMapping/>
+  </p:clrMapOvr>
+</p:sld>
+</file>
+
+<file path=ppt/slides/slide28.xml><?xml version="1.0" encoding="utf-8"?>
+<p:sld xmlns:a="http://schemas.openxmlformats.org/drawingml/2006/main" xmlns:r="http://schemas.openxmlformats.org/officeDocument/2006/relationships" xmlns:p="http://schemas.openxmlformats.org/presentationml/2006/main">
+  <p:cSld>
+    <p:spTree>
+      <p:nvGrpSpPr>
+        <p:cNvPr id="1" name=""/>
+        <p:cNvGrpSpPr/>
+        <p:nvPr/>
+      </p:nvGrpSpPr>
+      <p:grpSpPr>
+        <a:xfrm>
+          <a:off x="0" y="0"/>
+          <a:ext cx="0" cy="0"/>
+          <a:chOff x="0" y="0"/>
+          <a:chExt cx="0" cy="0"/>
+        </a:xfrm>
+      </p:grpSpPr>
+      <p:sp>
+        <p:nvSpPr>
+          <p:cNvPr id="2" name=""/>
+          <p:cNvSpPr>
+            <a:spLocks noGrp="1"/>
+          </p:cNvSpPr>
+          <p:nvPr>
+            <p:ph/>
+          </p:nvPr>
+        </p:nvSpPr>
+        <p:spPr>
+          <a:xfrm>
+            <a:off x="365760" y="182880"/>
+            <a:ext cx="11277600" cy="731520"/>
+          </a:xfrm>
+        </p:spPr>
+        <p:txBody>
+          <a:bodyPr/>
+          <a:lstStyle/>
+          <a:p>
+            <a:pPr algn="l" marL="0" marR="0">
+              <a:lnSpc>
+                <a:spcPct val="100000"/>
+              </a:lnSpc>
+              <a:spcBef>
+                <a:spcPts val="0"/>
+              </a:spcBef>
+              <a:spcAft>
+                <a:spcPts val="0"/>
+              </a:spcAft>
+              <a:buNone/>
+            </a:pPr>
+            <a:r>
+              <a:rPr cap="none" sz="2800" i="0" b="1" u="none">
+                <a:solidFill>
+                  <a:srgbClr val="323233">
+                    <a:alpha val="100000"/>
+                  </a:srgbClr>
+                </a:solidFill>
+                <a:latin typeface="Arial"/>
+                <a:cs typeface="Arial"/>
+                <a:ea typeface="Arial"/>
+                <a:sym typeface="Arial"/>
+              </a:rPr>
+              <a:t>PERCENT MEETING MEANINGFULNESS</a:t>
+            </a:r>
+          </a:p>
+        </p:txBody>
+      </p:sp>
+      <p:grpSp xmlns:pic="http://schemas.openxmlformats.org/drawingml/2006/picture">
+        <p:nvGrpSpPr>
+          <p:cNvPr id="3" name=""/>
+          <p:cNvGrpSpPr/>
+          <p:nvPr/>
+        </p:nvGrpSpPr>
+        <p:grpSpPr>
+          <a:xfrm>
+            <a:off x="0" y="914400"/>
+            <a:ext cx="12192000" cy="5577840"/>
+            <a:chOff x="0" y="914400"/>
+            <a:chExt cx="12192000" cy="5577840"/>
+          </a:xfrm>
+        </p:grpSpPr>
+        <p:sp>
+          <p:nvSpPr>
+            <p:cNvPr id="4" name="pl3"/>
+            <p:cNvSpPr/>
+            <p:nvPr/>
+          </p:nvSpPr>
+          <p:spPr>
+            <a:xfrm>
+              <a:off x="0" y="3703320"/>
+              <a:ext cx="12192000" cy="0"/>
+            </a:xfrm>
+            <a:custGeom>
+              <a:avLst/>
+              <a:pathLst>
+                <a:path w="12192000" h="0">
+                  <a:moveTo>
+                    <a:pt x="0" y="0"/>
+                  </a:moveTo>
+                  <a:lnTo>
+                    <a:pt x="12192000" y="0"/>
+                  </a:lnTo>
+                </a:path>
+              </a:pathLst>
+            </a:custGeom>
+            <a:ln w="27101" cap="flat">
+              <a:solidFill>
+                <a:srgbClr val="FFFFFF">
+                  <a:alpha val="100000"/>
+                </a:srgbClr>
+              </a:solidFill>
+              <a:prstDash val="solid"/>
+              <a:round/>
+            </a:ln>
+          </p:spPr>
+          <p:txBody>
+            <a:bodyPr/>
+            <a:lstStyle/>
+            <a:p/>
+          </p:txBody>
+        </p:sp>
+        <p:sp>
+          <p:nvSpPr>
+            <p:cNvPr id="5" name="pt4"/>
+            <p:cNvSpPr/>
+            <p:nvPr/>
+          </p:nvSpPr>
+          <p:spPr>
+            <a:xfrm>
+              <a:off x="148096" y="3143295"/>
+              <a:ext cx="1120050" cy="1120050"/>
+            </a:xfrm>
+            <a:prstGeom prst="ellipse">
+              <a:avLst/>
+            </a:prstGeom>
+            <a:solidFill>
+              <a:srgbClr val="FFFFFF">
+                <a:alpha val="100000"/>
+              </a:srgbClr>
+            </a:solidFill>
+            <a:ln w="36000" cap="rnd">
+              <a:solidFill>
+                <a:srgbClr val="01A3A2">
+                  <a:alpha val="100000"/>
+                </a:srgbClr>
+              </a:solidFill>
+              <a:prstDash val="solid"/>
+              <a:round/>
+            </a:ln>
+          </p:spPr>
+          <p:txBody>
+            <a:bodyPr/>
+            <a:lstStyle/>
+            <a:p/>
+          </p:txBody>
+        </p:sp>
+        <p:sp>
+          <p:nvSpPr>
+            <p:cNvPr id="6" name="pt5"/>
+            <p:cNvSpPr/>
+            <p:nvPr/>
+          </p:nvSpPr>
+          <p:spPr>
+            <a:xfrm>
+              <a:off x="1687490" y="3143295"/>
+              <a:ext cx="1120050" cy="1120050"/>
+            </a:xfrm>
+            <a:prstGeom prst="ellipse">
+              <a:avLst/>
+            </a:prstGeom>
+            <a:solidFill>
+              <a:srgbClr val="FFFFFF">
+                <a:alpha val="100000"/>
+              </a:srgbClr>
+            </a:solidFill>
+            <a:ln w="36000" cap="rnd">
+              <a:solidFill>
+                <a:srgbClr val="01A3A2">
+                  <a:alpha val="100000"/>
+                </a:srgbClr>
+              </a:solidFill>
+              <a:prstDash val="solid"/>
+              <a:round/>
+            </a:ln>
+          </p:spPr>
+          <p:txBody>
+            <a:bodyPr/>
+            <a:lstStyle/>
+            <a:p/>
+          </p:txBody>
+        </p:sp>
+        <p:sp>
+          <p:nvSpPr>
+            <p:cNvPr id="7" name="pt6"/>
+            <p:cNvSpPr/>
+            <p:nvPr/>
+          </p:nvSpPr>
+          <p:spPr>
+            <a:xfrm>
+              <a:off x="3226884" y="3143295"/>
+              <a:ext cx="1120050" cy="1120050"/>
+            </a:xfrm>
+            <a:prstGeom prst="ellipse">
+              <a:avLst/>
+            </a:prstGeom>
+            <a:solidFill>
+              <a:srgbClr val="FFFFFF">
+                <a:alpha val="100000"/>
+              </a:srgbClr>
+            </a:solidFill>
+            <a:ln w="36000" cap="rnd">
+              <a:solidFill>
+                <a:srgbClr val="01A3A2">
+                  <a:alpha val="100000"/>
+                </a:srgbClr>
+              </a:solidFill>
+              <a:prstDash val="solid"/>
+              <a:round/>
+            </a:ln>
+          </p:spPr>
+          <p:txBody>
+            <a:bodyPr/>
+            <a:lstStyle/>
+            <a:p/>
+          </p:txBody>
+        </p:sp>
+        <p:sp>
+          <p:nvSpPr>
+            <p:cNvPr id="8" name="pt7"/>
+            <p:cNvSpPr/>
+            <p:nvPr/>
+          </p:nvSpPr>
+          <p:spPr>
+            <a:xfrm>
+              <a:off x="4766278" y="3143295"/>
+              <a:ext cx="1120050" cy="1120050"/>
+            </a:xfrm>
+            <a:prstGeom prst="ellipse">
+              <a:avLst/>
+            </a:prstGeom>
+            <a:solidFill>
+              <a:srgbClr val="FFFFFF">
+                <a:alpha val="100000"/>
+              </a:srgbClr>
+            </a:solidFill>
+            <a:ln w="36000" cap="rnd">
+              <a:solidFill>
+                <a:srgbClr val="01A3A2">
+                  <a:alpha val="100000"/>
+                </a:srgbClr>
+              </a:solidFill>
+              <a:prstDash val="solid"/>
+              <a:round/>
+            </a:ln>
+          </p:spPr>
+          <p:txBody>
+            <a:bodyPr/>
+            <a:lstStyle/>
+            <a:p/>
+          </p:txBody>
+        </p:sp>
+        <p:sp>
+          <p:nvSpPr>
+            <p:cNvPr id="9" name="pt8"/>
+            <p:cNvSpPr/>
+            <p:nvPr/>
+          </p:nvSpPr>
+          <p:spPr>
+            <a:xfrm>
+              <a:off x="6305671" y="3143295"/>
+              <a:ext cx="1120050" cy="1120050"/>
+            </a:xfrm>
+            <a:prstGeom prst="ellipse">
+              <a:avLst/>
+            </a:prstGeom>
+            <a:solidFill>
+              <a:srgbClr val="FFFFFF">
+                <a:alpha val="100000"/>
+              </a:srgbClr>
+            </a:solidFill>
+            <a:ln w="36000" cap="rnd">
+              <a:solidFill>
+                <a:srgbClr val="01A3A2">
+                  <a:alpha val="100000"/>
+                </a:srgbClr>
+              </a:solidFill>
+              <a:prstDash val="solid"/>
+              <a:round/>
+            </a:ln>
+          </p:spPr>
+          <p:txBody>
+            <a:bodyPr/>
+            <a:lstStyle/>
+            <a:p/>
+          </p:txBody>
+        </p:sp>
+        <p:sp>
+          <p:nvSpPr>
+            <p:cNvPr id="10" name="pt9"/>
+            <p:cNvSpPr/>
+            <p:nvPr/>
+          </p:nvSpPr>
+          <p:spPr>
+            <a:xfrm>
+              <a:off x="7845065" y="3143295"/>
+              <a:ext cx="1120050" cy="1120050"/>
+            </a:xfrm>
+            <a:prstGeom prst="ellipse">
+              <a:avLst/>
+            </a:prstGeom>
+            <a:solidFill>
+              <a:srgbClr val="FFFFFF">
+                <a:alpha val="100000"/>
+              </a:srgbClr>
+            </a:solidFill>
+            <a:ln w="36000" cap="rnd">
+              <a:solidFill>
+                <a:srgbClr val="01A3A2">
+                  <a:alpha val="100000"/>
+                </a:srgbClr>
+              </a:solidFill>
+              <a:prstDash val="solid"/>
+              <a:round/>
+            </a:ln>
+          </p:spPr>
+          <p:txBody>
+            <a:bodyPr/>
+            <a:lstStyle/>
+            <a:p/>
+          </p:txBody>
+        </p:sp>
+        <p:sp>
+          <p:nvSpPr>
+            <p:cNvPr id="11" name="pt10"/>
+            <p:cNvSpPr/>
+            <p:nvPr/>
+          </p:nvSpPr>
+          <p:spPr>
+            <a:xfrm>
+              <a:off x="9384459" y="3143295"/>
+              <a:ext cx="1120050" cy="1120050"/>
+            </a:xfrm>
+            <a:prstGeom prst="ellipse">
+              <a:avLst/>
+            </a:prstGeom>
+            <a:solidFill>
+              <a:srgbClr val="FFFFFF">
+                <a:alpha val="100000"/>
+              </a:srgbClr>
+            </a:solidFill>
+            <a:ln w="36000" cap="rnd">
+              <a:solidFill>
+                <a:srgbClr val="01A3A2">
+                  <a:alpha val="100000"/>
+                </a:srgbClr>
+              </a:solidFill>
+              <a:prstDash val="solid"/>
+              <a:round/>
+            </a:ln>
+          </p:spPr>
+          <p:txBody>
+            <a:bodyPr/>
+            <a:lstStyle/>
+            <a:p/>
+          </p:txBody>
+        </p:sp>
+        <p:sp>
+          <p:nvSpPr>
+            <p:cNvPr id="12" name="pt11"/>
+            <p:cNvSpPr/>
+            <p:nvPr/>
+          </p:nvSpPr>
+          <p:spPr>
+            <a:xfrm>
+              <a:off x="10923853" y="3143295"/>
+              <a:ext cx="1120050" cy="1120050"/>
+            </a:xfrm>
+            <a:prstGeom prst="ellipse">
+              <a:avLst/>
+            </a:prstGeom>
+            <a:solidFill>
+              <a:srgbClr val="FFFFFF">
+                <a:alpha val="100000"/>
+              </a:srgbClr>
+            </a:solidFill>
+            <a:ln w="36000" cap="rnd">
+              <a:solidFill>
+                <a:srgbClr val="01A3A2">
+                  <a:alpha val="100000"/>
+                </a:srgbClr>
+              </a:solidFill>
+              <a:prstDash val="solid"/>
+              <a:round/>
+            </a:ln>
+          </p:spPr>
+          <p:txBody>
+            <a:bodyPr/>
+            <a:lstStyle/>
+            <a:p/>
+          </p:txBody>
+        </p:sp>
+        <p:sp>
+          <p:nvSpPr>
+            <p:cNvPr id="13" name="tx12"/>
+            <p:cNvSpPr/>
+            <p:nvPr/>
+          </p:nvSpPr>
+          <p:spPr>
+            <a:xfrm>
+              <a:off x="382668" y="3615839"/>
+              <a:ext cx="650906" cy="246134"/>
+            </a:xfrm>
+            <a:prstGeom prst="rect">
+              <a:avLst/>
+            </a:prstGeom>
+            <a:noFill/>
+          </p:spPr>
+          <p:txBody>
+            <a:bodyPr lIns="0" rIns="0" tIns="0" bIns="0" anchorCtr="1" anchor="ctr" wrap="none"/>
+            <a:lstStyle/>
+            <a:p>
+              <a:pPr algn="l" marL="0" marR="0" indent="0">
+                <a:lnSpc>
+                  <a:spcPts val="2560"/>
+                </a:lnSpc>
+                <a:spcBef>
+                  <a:spcPts val="0"/>
+                </a:spcBef>
+                <a:spcAft>
+                  <a:spcPts val="0"/>
+                </a:spcAft>
+              </a:pPr>
+              <a:r>
+                <a:rPr sz="2560" b="1">
+                  <a:solidFill>
+                    <a:srgbClr val="333232">
+                      <a:alpha val="100000"/>
+                    </a:srgbClr>
+                  </a:solidFill>
+                  <a:latin typeface="Arial"/>
+                  <a:cs typeface="Arial"/>
+                </a:rPr>
+                <a:t>54%</a:t>
+              </a:r>
+            </a:p>
+          </p:txBody>
+        </p:sp>
+        <p:sp>
+          <p:nvSpPr>
+            <p:cNvPr id="14" name="tx13"/>
+            <p:cNvSpPr/>
+            <p:nvPr/>
+          </p:nvSpPr>
+          <p:spPr>
+            <a:xfrm>
+              <a:off x="1922061" y="3615839"/>
+              <a:ext cx="650906" cy="246134"/>
+            </a:xfrm>
+            <a:prstGeom prst="rect">
+              <a:avLst/>
+            </a:prstGeom>
+            <a:noFill/>
+          </p:spPr>
+          <p:txBody>
+            <a:bodyPr lIns="0" rIns="0" tIns="0" bIns="0" anchorCtr="1" anchor="ctr" wrap="none"/>
+            <a:lstStyle/>
+            <a:p>
+              <a:pPr algn="l" marL="0" marR="0" indent="0">
+                <a:lnSpc>
+                  <a:spcPts val="2560"/>
+                </a:lnSpc>
+                <a:spcBef>
+                  <a:spcPts val="0"/>
+                </a:spcBef>
+                <a:spcAft>
+                  <a:spcPts val="0"/>
+                </a:spcAft>
+              </a:pPr>
+              <a:r>
+                <a:rPr sz="2560" b="1">
+                  <a:solidFill>
+                    <a:srgbClr val="333232">
+                      <a:alpha val="100000"/>
+                    </a:srgbClr>
+                  </a:solidFill>
+                  <a:latin typeface="Arial"/>
+                  <a:cs typeface="Arial"/>
+                </a:rPr>
+                <a:t>53%</a:t>
+              </a:r>
+            </a:p>
+          </p:txBody>
+        </p:sp>
+        <p:sp>
+          <p:nvSpPr>
+            <p:cNvPr id="15" name="tx14"/>
+            <p:cNvSpPr/>
+            <p:nvPr/>
+          </p:nvSpPr>
+          <p:spPr>
+            <a:xfrm>
+              <a:off x="3461455" y="3615839"/>
+              <a:ext cx="650906" cy="246134"/>
+            </a:xfrm>
+            <a:prstGeom prst="rect">
+              <a:avLst/>
+            </a:prstGeom>
+            <a:noFill/>
+          </p:spPr>
+          <p:txBody>
+            <a:bodyPr lIns="0" rIns="0" tIns="0" bIns="0" anchorCtr="1" anchor="ctr" wrap="none"/>
+            <a:lstStyle/>
+            <a:p>
+              <a:pPr algn="l" marL="0" marR="0" indent="0">
+                <a:lnSpc>
+                  <a:spcPts val="2560"/>
+                </a:lnSpc>
+                <a:spcBef>
+                  <a:spcPts val="0"/>
+                </a:spcBef>
+                <a:spcAft>
+                  <a:spcPts val="0"/>
+                </a:spcAft>
+              </a:pPr>
+              <a:r>
+                <a:rPr sz="2560" b="1">
+                  <a:solidFill>
+                    <a:srgbClr val="333232">
+                      <a:alpha val="100000"/>
+                    </a:srgbClr>
+                  </a:solidFill>
+                  <a:latin typeface="Arial"/>
+                  <a:cs typeface="Arial"/>
+                </a:rPr>
+                <a:t>50%</a:t>
+              </a:r>
+            </a:p>
+          </p:txBody>
+        </p:sp>
+        <p:sp>
+          <p:nvSpPr>
+            <p:cNvPr id="16" name="tx15"/>
+            <p:cNvSpPr/>
+            <p:nvPr/>
+          </p:nvSpPr>
+          <p:spPr>
+            <a:xfrm>
+              <a:off x="5000849" y="3615839"/>
+              <a:ext cx="650906" cy="246134"/>
+            </a:xfrm>
+            <a:prstGeom prst="rect">
+              <a:avLst/>
+            </a:prstGeom>
+            <a:noFill/>
+          </p:spPr>
+          <p:txBody>
+            <a:bodyPr lIns="0" rIns="0" tIns="0" bIns="0" anchorCtr="1" anchor="ctr" wrap="none"/>
+            <a:lstStyle/>
+            <a:p>
+              <a:pPr algn="l" marL="0" marR="0" indent="0">
+                <a:lnSpc>
+                  <a:spcPts val="2560"/>
+                </a:lnSpc>
+                <a:spcBef>
+                  <a:spcPts val="0"/>
+                </a:spcBef>
+                <a:spcAft>
+                  <a:spcPts val="0"/>
+                </a:spcAft>
+              </a:pPr>
+              <a:r>
+                <a:rPr sz="2560" b="1">
+                  <a:solidFill>
+                    <a:srgbClr val="333232">
+                      <a:alpha val="100000"/>
+                    </a:srgbClr>
+                  </a:solidFill>
+                  <a:latin typeface="Arial"/>
+                  <a:cs typeface="Arial"/>
+                </a:rPr>
+                <a:t>63%</a:t>
+              </a:r>
+            </a:p>
+          </p:txBody>
+        </p:sp>
+        <p:sp>
+          <p:nvSpPr>
+            <p:cNvPr id="17" name="tx16"/>
+            <p:cNvSpPr/>
+            <p:nvPr/>
+          </p:nvSpPr>
+          <p:spPr>
+            <a:xfrm>
+              <a:off x="6540243" y="3615839"/>
+              <a:ext cx="650906" cy="246134"/>
+            </a:xfrm>
+            <a:prstGeom prst="rect">
+              <a:avLst/>
+            </a:prstGeom>
+            <a:noFill/>
+          </p:spPr>
+          <p:txBody>
+            <a:bodyPr lIns="0" rIns="0" tIns="0" bIns="0" anchorCtr="1" anchor="ctr" wrap="none"/>
+            <a:lstStyle/>
+            <a:p>
+              <a:pPr algn="l" marL="0" marR="0" indent="0">
+                <a:lnSpc>
+                  <a:spcPts val="2560"/>
+                </a:lnSpc>
+                <a:spcBef>
+                  <a:spcPts val="0"/>
+                </a:spcBef>
+                <a:spcAft>
+                  <a:spcPts val="0"/>
+                </a:spcAft>
+              </a:pPr>
+              <a:r>
+                <a:rPr sz="2560" b="1">
+                  <a:solidFill>
+                    <a:srgbClr val="333232">
+                      <a:alpha val="100000"/>
+                    </a:srgbClr>
+                  </a:solidFill>
+                  <a:latin typeface="Arial"/>
+                  <a:cs typeface="Arial"/>
+                </a:rPr>
+                <a:t>54%</a:t>
+              </a:r>
+            </a:p>
+          </p:txBody>
+        </p:sp>
+        <p:sp>
+          <p:nvSpPr>
+            <p:cNvPr id="18" name="tx17"/>
+            <p:cNvSpPr/>
+            <p:nvPr/>
+          </p:nvSpPr>
+          <p:spPr>
+            <a:xfrm>
+              <a:off x="8079637" y="3615839"/>
+              <a:ext cx="650906" cy="246134"/>
+            </a:xfrm>
+            <a:prstGeom prst="rect">
+              <a:avLst/>
+            </a:prstGeom>
+            <a:noFill/>
+          </p:spPr>
+          <p:txBody>
+            <a:bodyPr lIns="0" rIns="0" tIns="0" bIns="0" anchorCtr="1" anchor="ctr" wrap="none"/>
+            <a:lstStyle/>
+            <a:p>
+              <a:pPr algn="l" marL="0" marR="0" indent="0">
+                <a:lnSpc>
+                  <a:spcPts val="2560"/>
+                </a:lnSpc>
+                <a:spcBef>
+                  <a:spcPts val="0"/>
+                </a:spcBef>
+                <a:spcAft>
+                  <a:spcPts val="0"/>
+                </a:spcAft>
+              </a:pPr>
+              <a:r>
+                <a:rPr sz="2560" b="1">
+                  <a:solidFill>
+                    <a:srgbClr val="333232">
+                      <a:alpha val="100000"/>
+                    </a:srgbClr>
+                  </a:solidFill>
+                  <a:latin typeface="Arial"/>
+                  <a:cs typeface="Arial"/>
+                </a:rPr>
+                <a:t>51%</a:t>
+              </a:r>
+            </a:p>
+          </p:txBody>
+        </p:sp>
+        <p:sp>
+          <p:nvSpPr>
+            <p:cNvPr id="19" name="tx18"/>
+            <p:cNvSpPr/>
+            <p:nvPr/>
+          </p:nvSpPr>
+          <p:spPr>
+            <a:xfrm>
+              <a:off x="9619031" y="3615839"/>
+              <a:ext cx="650906" cy="246134"/>
+            </a:xfrm>
+            <a:prstGeom prst="rect">
+              <a:avLst/>
+            </a:prstGeom>
+            <a:noFill/>
+          </p:spPr>
+          <p:txBody>
+            <a:bodyPr lIns="0" rIns="0" tIns="0" bIns="0" anchorCtr="1" anchor="ctr" wrap="none"/>
+            <a:lstStyle/>
+            <a:p>
+              <a:pPr algn="l" marL="0" marR="0" indent="0">
+                <a:lnSpc>
+                  <a:spcPts val="2560"/>
+                </a:lnSpc>
+                <a:spcBef>
+                  <a:spcPts val="0"/>
+                </a:spcBef>
+                <a:spcAft>
+                  <a:spcPts val="0"/>
+                </a:spcAft>
+              </a:pPr>
+              <a:r>
+                <a:rPr sz="2560" b="1">
+                  <a:solidFill>
+                    <a:srgbClr val="333232">
+                      <a:alpha val="100000"/>
+                    </a:srgbClr>
+                  </a:solidFill>
+                  <a:latin typeface="Arial"/>
+                  <a:cs typeface="Arial"/>
+                </a:rPr>
+                <a:t>54%</a:t>
+              </a:r>
+            </a:p>
+          </p:txBody>
+        </p:sp>
+        <p:sp>
+          <p:nvSpPr>
+            <p:cNvPr id="20" name="tx19"/>
+            <p:cNvSpPr/>
+            <p:nvPr/>
+          </p:nvSpPr>
+          <p:spPr>
+            <a:xfrm>
+              <a:off x="11158425" y="3615839"/>
+              <a:ext cx="650906" cy="246134"/>
+            </a:xfrm>
+            <a:prstGeom prst="rect">
+              <a:avLst/>
+            </a:prstGeom>
+            <a:noFill/>
+          </p:spPr>
+          <p:txBody>
+            <a:bodyPr lIns="0" rIns="0" tIns="0" bIns="0" anchorCtr="1" anchor="ctr" wrap="none"/>
+            <a:lstStyle/>
+            <a:p>
+              <a:pPr algn="l" marL="0" marR="0" indent="0">
+                <a:lnSpc>
+                  <a:spcPts val="2560"/>
+                </a:lnSpc>
+                <a:spcBef>
+                  <a:spcPts val="0"/>
+                </a:spcBef>
+                <a:spcAft>
+                  <a:spcPts val="0"/>
+                </a:spcAft>
+              </a:pPr>
+              <a:r>
+                <a:rPr sz="2560" b="1">
+                  <a:solidFill>
+                    <a:srgbClr val="333232">
+                      <a:alpha val="100000"/>
+                    </a:srgbClr>
+                  </a:solidFill>
+                  <a:latin typeface="Arial"/>
+                  <a:cs typeface="Arial"/>
+                </a:rPr>
+                <a:t>54%</a:t>
+              </a:r>
+            </a:p>
+          </p:txBody>
+        </p:sp>
+        <p:sp>
+          <p:nvSpPr>
+            <p:cNvPr id="21" name="tx20"/>
+            <p:cNvSpPr/>
+            <p:nvPr/>
+          </p:nvSpPr>
+          <p:spPr>
+            <a:xfrm>
+              <a:off x="473102" y="2702810"/>
+              <a:ext cx="470037" cy="237559"/>
+            </a:xfrm>
+            <a:prstGeom prst="rect">
+              <a:avLst/>
+            </a:prstGeom>
+            <a:noFill/>
+          </p:spPr>
+          <p:txBody>
+            <a:bodyPr lIns="0" rIns="0" tIns="0" bIns="0" anchorCtr="1" anchor="ctr" wrap="none"/>
+            <a:lstStyle/>
+            <a:p>
+              <a:pPr algn="l" marL="0" marR="0" indent="0">
+                <a:lnSpc>
+                  <a:spcPts val="2560"/>
+                </a:lnSpc>
+                <a:spcBef>
+                  <a:spcPts val="0"/>
+                </a:spcBef>
+                <a:spcAft>
+                  <a:spcPts val="0"/>
+                </a:spcAft>
+              </a:pPr>
+              <a:r>
+                <a:rPr sz="2560" b="1">
+                  <a:solidFill>
+                    <a:srgbClr val="FFFFFF">
+                      <a:alpha val="100000"/>
+                    </a:srgbClr>
+                  </a:solidFill>
+                  <a:latin typeface="Arial"/>
+                  <a:cs typeface="Arial"/>
+                </a:rPr>
+                <a:t>1st</a:t>
+              </a:r>
+            </a:p>
+          </p:txBody>
+        </p:sp>
+        <p:sp>
+          <p:nvSpPr>
+            <p:cNvPr id="22" name="tx21"/>
+            <p:cNvSpPr/>
+            <p:nvPr/>
+          </p:nvSpPr>
+          <p:spPr>
+            <a:xfrm>
+              <a:off x="2003603" y="2703604"/>
+              <a:ext cx="487822" cy="236765"/>
+            </a:xfrm>
+            <a:prstGeom prst="rect">
+              <a:avLst/>
+            </a:prstGeom>
+            <a:noFill/>
+          </p:spPr>
+          <p:txBody>
+            <a:bodyPr lIns="0" rIns="0" tIns="0" bIns="0" anchorCtr="1" anchor="ctr" wrap="none"/>
+            <a:lstStyle/>
+            <a:p>
+              <a:pPr algn="l" marL="0" marR="0" indent="0">
+                <a:lnSpc>
+                  <a:spcPts val="2560"/>
+                </a:lnSpc>
+                <a:spcBef>
+                  <a:spcPts val="0"/>
+                </a:spcBef>
+                <a:spcAft>
+                  <a:spcPts val="0"/>
+                </a:spcAft>
+              </a:pPr>
+              <a:r>
+                <a:rPr sz="2560" b="1">
+                  <a:solidFill>
+                    <a:srgbClr val="FFFFFF">
+                      <a:alpha val="100000"/>
+                    </a:srgbClr>
+                  </a:solidFill>
+                  <a:latin typeface="Arial"/>
+                  <a:cs typeface="Arial"/>
+                </a:rPr>
+                <a:t>5th</a:t>
+              </a:r>
+            </a:p>
+          </p:txBody>
+        </p:sp>
+        <p:sp>
+          <p:nvSpPr>
+            <p:cNvPr id="23" name="tx22"/>
+            <p:cNvSpPr/>
+            <p:nvPr/>
+          </p:nvSpPr>
+          <p:spPr>
+            <a:xfrm>
+              <a:off x="3452563" y="2702651"/>
+              <a:ext cx="668691" cy="237718"/>
+            </a:xfrm>
+            <a:prstGeom prst="rect">
+              <a:avLst/>
+            </a:prstGeom>
+            <a:noFill/>
+          </p:spPr>
+          <p:txBody>
+            <a:bodyPr lIns="0" rIns="0" tIns="0" bIns="0" anchorCtr="1" anchor="ctr" wrap="none"/>
+            <a:lstStyle/>
+            <a:p>
+              <a:pPr algn="l" marL="0" marR="0" indent="0">
+                <a:lnSpc>
+                  <a:spcPts val="2560"/>
+                </a:lnSpc>
+                <a:spcBef>
+                  <a:spcPts val="0"/>
+                </a:spcBef>
+                <a:spcAft>
+                  <a:spcPts val="0"/>
+                </a:spcAft>
+              </a:pPr>
+              <a:r>
+                <a:rPr sz="2560" b="1">
+                  <a:solidFill>
+                    <a:srgbClr val="FFFFFF">
+                      <a:alpha val="100000"/>
+                    </a:srgbClr>
+                  </a:solidFill>
+                  <a:latin typeface="Arial"/>
+                  <a:cs typeface="Arial"/>
+                </a:rPr>
+                <a:t>10th</a:t>
+              </a:r>
+            </a:p>
+          </p:txBody>
+        </p:sp>
+        <p:sp>
+          <p:nvSpPr>
+            <p:cNvPr id="24" name="tx23"/>
+            <p:cNvSpPr/>
+            <p:nvPr/>
+          </p:nvSpPr>
+          <p:spPr>
+            <a:xfrm>
+              <a:off x="4991957" y="2702651"/>
+              <a:ext cx="668691" cy="237718"/>
+            </a:xfrm>
+            <a:prstGeom prst="rect">
+              <a:avLst/>
+            </a:prstGeom>
+            <a:noFill/>
+          </p:spPr>
+          <p:txBody>
+            <a:bodyPr lIns="0" rIns="0" tIns="0" bIns="0" anchorCtr="1" anchor="ctr" wrap="none"/>
+            <a:lstStyle/>
+            <a:p>
+              <a:pPr algn="l" marL="0" marR="0" indent="0">
+                <a:lnSpc>
+                  <a:spcPts val="2560"/>
+                </a:lnSpc>
+                <a:spcBef>
+                  <a:spcPts val="0"/>
+                </a:spcBef>
+                <a:spcAft>
+                  <a:spcPts val="0"/>
+                </a:spcAft>
+              </a:pPr>
+              <a:r>
+                <a:rPr sz="2560" b="1">
+                  <a:solidFill>
+                    <a:srgbClr val="FFFFFF">
+                      <a:alpha val="100000"/>
+                    </a:srgbClr>
+                  </a:solidFill>
+                  <a:latin typeface="Arial"/>
+                  <a:cs typeface="Arial"/>
+                </a:rPr>
+                <a:t>15th</a:t>
+              </a:r>
+            </a:p>
+          </p:txBody>
+        </p:sp>
+        <p:sp>
+          <p:nvSpPr>
+            <p:cNvPr id="25" name="tx24"/>
+            <p:cNvSpPr/>
+            <p:nvPr/>
+          </p:nvSpPr>
+          <p:spPr>
+            <a:xfrm>
+              <a:off x="6531351" y="2702651"/>
+              <a:ext cx="668691" cy="237718"/>
+            </a:xfrm>
+            <a:prstGeom prst="rect">
+              <a:avLst/>
+            </a:prstGeom>
+            <a:noFill/>
+          </p:spPr>
+          <p:txBody>
+            <a:bodyPr lIns="0" rIns="0" tIns="0" bIns="0" anchorCtr="1" anchor="ctr" wrap="none"/>
+            <a:lstStyle/>
+            <a:p>
+              <a:pPr algn="l" marL="0" marR="0" indent="0">
+                <a:lnSpc>
+                  <a:spcPts val="2560"/>
+                </a:lnSpc>
+                <a:spcBef>
+                  <a:spcPts val="0"/>
+                </a:spcBef>
+                <a:spcAft>
+                  <a:spcPts val="0"/>
+                </a:spcAft>
+              </a:pPr>
+              <a:r>
+                <a:rPr sz="2560" b="1">
+                  <a:solidFill>
+                    <a:srgbClr val="FFFFFF">
+                      <a:alpha val="100000"/>
+                    </a:srgbClr>
+                  </a:solidFill>
+                  <a:latin typeface="Arial"/>
+                  <a:cs typeface="Arial"/>
+                </a:rPr>
+                <a:t>20th</a:t>
+              </a:r>
+            </a:p>
+          </p:txBody>
+        </p:sp>
+        <p:sp>
+          <p:nvSpPr>
+            <p:cNvPr id="26" name="tx25"/>
+            <p:cNvSpPr/>
+            <p:nvPr/>
+          </p:nvSpPr>
+          <p:spPr>
+            <a:xfrm>
+              <a:off x="8070745" y="2702651"/>
+              <a:ext cx="668691" cy="237718"/>
+            </a:xfrm>
+            <a:prstGeom prst="rect">
+              <a:avLst/>
+            </a:prstGeom>
+            <a:noFill/>
+          </p:spPr>
+          <p:txBody>
+            <a:bodyPr lIns="0" rIns="0" tIns="0" bIns="0" anchorCtr="1" anchor="ctr" wrap="none"/>
+            <a:lstStyle/>
+            <a:p>
+              <a:pPr algn="l" marL="0" marR="0" indent="0">
+                <a:lnSpc>
+                  <a:spcPts val="2560"/>
+                </a:lnSpc>
+                <a:spcBef>
+                  <a:spcPts val="0"/>
+                </a:spcBef>
+                <a:spcAft>
+                  <a:spcPts val="0"/>
+                </a:spcAft>
+              </a:pPr>
+              <a:r>
+                <a:rPr sz="2560" b="1">
+                  <a:solidFill>
+                    <a:srgbClr val="FFFFFF">
+                      <a:alpha val="100000"/>
+                    </a:srgbClr>
+                  </a:solidFill>
+                  <a:latin typeface="Arial"/>
+                  <a:cs typeface="Arial"/>
+                </a:rPr>
+                <a:t>25th</a:t>
+              </a:r>
+            </a:p>
+          </p:txBody>
+        </p:sp>
+        <p:sp>
+          <p:nvSpPr>
+            <p:cNvPr id="27" name="tx26"/>
+            <p:cNvSpPr/>
+            <p:nvPr/>
+          </p:nvSpPr>
+          <p:spPr>
+            <a:xfrm>
+              <a:off x="9610139" y="2702651"/>
+              <a:ext cx="668691" cy="237718"/>
+            </a:xfrm>
+            <a:prstGeom prst="rect">
+              <a:avLst/>
+            </a:prstGeom>
+            <a:noFill/>
+          </p:spPr>
+          <p:txBody>
+            <a:bodyPr lIns="0" rIns="0" tIns="0" bIns="0" anchorCtr="1" anchor="ctr" wrap="none"/>
+            <a:lstStyle/>
+            <a:p>
+              <a:pPr algn="l" marL="0" marR="0" indent="0">
+                <a:lnSpc>
+                  <a:spcPts val="2560"/>
+                </a:lnSpc>
+                <a:spcBef>
+                  <a:spcPts val="0"/>
+                </a:spcBef>
+                <a:spcAft>
+                  <a:spcPts val="0"/>
+                </a:spcAft>
+              </a:pPr>
+              <a:r>
+                <a:rPr sz="2560" b="1">
+                  <a:solidFill>
+                    <a:srgbClr val="FFFFFF">
+                      <a:alpha val="100000"/>
+                    </a:srgbClr>
+                  </a:solidFill>
+                  <a:latin typeface="Arial"/>
+                  <a:cs typeface="Arial"/>
+                </a:rPr>
+                <a:t>30th</a:t>
+              </a:r>
+            </a:p>
+          </p:txBody>
+        </p:sp>
+        <p:sp>
+          <p:nvSpPr>
+            <p:cNvPr id="28" name="tx27"/>
+            <p:cNvSpPr/>
+            <p:nvPr/>
+          </p:nvSpPr>
+          <p:spPr>
+            <a:xfrm>
+              <a:off x="11054572" y="2702651"/>
+              <a:ext cx="858612" cy="237718"/>
+            </a:xfrm>
+            <a:prstGeom prst="rect">
+              <a:avLst/>
+            </a:prstGeom>
+            <a:noFill/>
+          </p:spPr>
+          <p:txBody>
+            <a:bodyPr lIns="0" rIns="0" tIns="0" bIns="0" anchorCtr="1" anchor="ctr" wrap="none"/>
+            <a:lstStyle/>
+            <a:p>
+              <a:pPr algn="l" marL="0" marR="0" indent="0">
+                <a:lnSpc>
+                  <a:spcPts val="2560"/>
+                </a:lnSpc>
+                <a:spcBef>
+                  <a:spcPts val="0"/>
+                </a:spcBef>
+                <a:spcAft>
+                  <a:spcPts val="0"/>
+                </a:spcAft>
+              </a:pPr>
+              <a:r>
+                <a:rPr sz="2560" b="1">
+                  <a:solidFill>
+                    <a:srgbClr val="FFFFFF">
+                      <a:alpha val="100000"/>
+                    </a:srgbClr>
+                  </a:solidFill>
+                  <a:latin typeface="Arial"/>
+                  <a:cs typeface="Arial"/>
+                </a:rPr>
+                <a:t>40th+</a:t>
+              </a:r>
+            </a:p>
+          </p:txBody>
+        </p:sp>
+      </p:grpSp>
+    </p:spTree>
+  </p:cSld>
+  <p:clrMapOvr>
+    <a:masterClrMapping/>
+  </p:clrMapOvr>
+</p:sld>
+</file>
+
+<file path=ppt/slides/slide29.xml><?xml version="1.0" encoding="utf-8"?>
+<p:sld xmlns:a="http://schemas.openxmlformats.org/drawingml/2006/main" xmlns:r="http://schemas.openxmlformats.org/officeDocument/2006/relationships" xmlns:p="http://schemas.openxmlformats.org/presentationml/2006/main">
+  <p:cSld>
+    <p:spTree>
+      <p:nvGrpSpPr>
+        <p:cNvPr id="1" name=""/>
+        <p:cNvGrpSpPr/>
+        <p:nvPr/>
+      </p:nvGrpSpPr>
+      <p:grpSpPr>
+        <a:xfrm>
+          <a:off x="0" y="0"/>
+          <a:ext cx="0" cy="0"/>
+          <a:chOff x="0" y="0"/>
+          <a:chExt cx="0" cy="0"/>
+        </a:xfrm>
+      </p:grpSpPr>
+      <p:sp>
+        <p:nvSpPr>
+          <p:cNvPr id="2" name=""/>
+          <p:cNvSpPr>
+            <a:spLocks noGrp="1"/>
+          </p:cNvSpPr>
+          <p:nvPr>
+            <p:ph/>
+          </p:nvPr>
+        </p:nvSpPr>
+        <p:spPr>
+          <a:xfrm>
+            <a:off x="365760" y="182880"/>
+            <a:ext cx="11277600" cy="731520"/>
+          </a:xfrm>
+        </p:spPr>
+        <p:txBody>
+          <a:bodyPr/>
+          <a:lstStyle/>
+          <a:p>
+            <a:pPr algn="l" marL="0" marR="0">
+              <a:lnSpc>
+                <a:spcPct val="100000"/>
+              </a:lnSpc>
+              <a:spcBef>
+                <a:spcPts val="0"/>
+              </a:spcBef>
+              <a:spcAft>
+                <a:spcPts val="0"/>
+              </a:spcAft>
+              <a:buNone/>
+            </a:pPr>
+            <a:r>
+              <a:rPr cap="none" sz="2800" i="0" b="1" u="none">
+                <a:solidFill>
+                  <a:srgbClr val="323233">
+                    <a:alpha val="100000"/>
+                  </a:srgbClr>
+                </a:solidFill>
+                <a:latin typeface="Arial"/>
+                <a:cs typeface="Arial"/>
+                <a:ea typeface="Arial"/>
+                <a:sym typeface="Arial"/>
+              </a:rPr>
+              <a:t>PERCENT MEETING MEANINGFULNESS</a:t>
+            </a:r>
+          </a:p>
+        </p:txBody>
+      </p:sp>
+      <p:grpSp xmlns:pic="http://schemas.openxmlformats.org/drawingml/2006/picture">
+        <p:nvGrpSpPr>
+          <p:cNvPr id="3" name=""/>
+          <p:cNvGrpSpPr/>
+          <p:nvPr/>
+        </p:nvGrpSpPr>
+        <p:grpSpPr>
+          <a:xfrm>
+            <a:off x="0" y="914400"/>
+            <a:ext cx="12192000" cy="5577840"/>
+            <a:chOff x="0" y="914400"/>
+            <a:chExt cx="12192000" cy="5577840"/>
+          </a:xfrm>
+        </p:grpSpPr>
+        <p:sp>
+          <p:nvSpPr>
+            <p:cNvPr id="4" name="pl3"/>
+            <p:cNvSpPr/>
+            <p:nvPr/>
+          </p:nvSpPr>
+          <p:spPr>
+            <a:xfrm>
+              <a:off x="0" y="3703320"/>
+              <a:ext cx="12192000" cy="0"/>
+            </a:xfrm>
+            <a:custGeom>
+              <a:avLst/>
+              <a:pathLst>
+                <a:path w="12192000" h="0">
+                  <a:moveTo>
+                    <a:pt x="0" y="0"/>
+                  </a:moveTo>
+                  <a:lnTo>
+                    <a:pt x="12192000" y="0"/>
+                  </a:lnTo>
+                </a:path>
+              </a:pathLst>
+            </a:custGeom>
+            <a:ln w="27101" cap="flat">
+              <a:solidFill>
+                <a:srgbClr val="FFFFFF">
+                  <a:alpha val="100000"/>
+                </a:srgbClr>
+              </a:solidFill>
+              <a:prstDash val="solid"/>
+              <a:round/>
+            </a:ln>
+          </p:spPr>
+          <p:txBody>
+            <a:bodyPr/>
+            <a:lstStyle/>
+            <a:p/>
+          </p:txBody>
+        </p:sp>
+        <p:sp>
+          <p:nvSpPr>
+            <p:cNvPr id="5" name="pt4"/>
+            <p:cNvSpPr/>
+            <p:nvPr/>
+          </p:nvSpPr>
+          <p:spPr>
+            <a:xfrm>
+              <a:off x="207303" y="3143295"/>
+              <a:ext cx="1120050" cy="1120050"/>
+            </a:xfrm>
+            <a:prstGeom prst="ellipse">
+              <a:avLst/>
+            </a:prstGeom>
+            <a:solidFill>
+              <a:srgbClr val="FFFFFF">
+                <a:alpha val="100000"/>
+              </a:srgbClr>
+            </a:solidFill>
+            <a:ln w="36000" cap="rnd">
+              <a:solidFill>
+                <a:srgbClr val="01A3A2">
+                  <a:alpha val="100000"/>
+                </a:srgbClr>
+              </a:solidFill>
+              <a:prstDash val="solid"/>
+              <a:round/>
+            </a:ln>
+          </p:spPr>
+          <p:txBody>
+            <a:bodyPr/>
+            <a:lstStyle/>
+            <a:p/>
+          </p:txBody>
+        </p:sp>
+        <p:sp>
+          <p:nvSpPr>
+            <p:cNvPr id="6" name="pt5"/>
+            <p:cNvSpPr/>
+            <p:nvPr/>
+          </p:nvSpPr>
+          <p:spPr>
+            <a:xfrm>
+              <a:off x="2338772" y="3143295"/>
+              <a:ext cx="1120050" cy="1120050"/>
+            </a:xfrm>
+            <a:prstGeom prst="ellipse">
+              <a:avLst/>
+            </a:prstGeom>
+            <a:solidFill>
+              <a:srgbClr val="FFFFFF">
+                <a:alpha val="100000"/>
+              </a:srgbClr>
+            </a:solidFill>
+            <a:ln w="36000" cap="rnd">
+              <a:solidFill>
+                <a:srgbClr val="01A3A2">
+                  <a:alpha val="100000"/>
+                </a:srgbClr>
+              </a:solidFill>
+              <a:prstDash val="solid"/>
+              <a:round/>
+            </a:ln>
+          </p:spPr>
+          <p:txBody>
+            <a:bodyPr/>
+            <a:lstStyle/>
+            <a:p/>
+          </p:txBody>
+        </p:sp>
+        <p:sp>
+          <p:nvSpPr>
+            <p:cNvPr id="7" name="pt6"/>
+            <p:cNvSpPr/>
+            <p:nvPr/>
+          </p:nvSpPr>
+          <p:spPr>
+            <a:xfrm>
+              <a:off x="4470240" y="3143295"/>
+              <a:ext cx="1120050" cy="1120050"/>
+            </a:xfrm>
+            <a:prstGeom prst="ellipse">
+              <a:avLst/>
+            </a:prstGeom>
+            <a:solidFill>
+              <a:srgbClr val="FFFFFF">
+                <a:alpha val="100000"/>
+              </a:srgbClr>
+            </a:solidFill>
+            <a:ln w="36000" cap="rnd">
+              <a:solidFill>
+                <a:srgbClr val="01A3A2">
+                  <a:alpha val="100000"/>
+                </a:srgbClr>
+              </a:solidFill>
+              <a:prstDash val="solid"/>
+              <a:round/>
+            </a:ln>
+          </p:spPr>
+          <p:txBody>
+            <a:bodyPr/>
+            <a:lstStyle/>
+            <a:p/>
+          </p:txBody>
+        </p:sp>
+        <p:sp>
+          <p:nvSpPr>
+            <p:cNvPr id="8" name="pt7"/>
+            <p:cNvSpPr/>
+            <p:nvPr/>
+          </p:nvSpPr>
+          <p:spPr>
+            <a:xfrm>
+              <a:off x="6601709" y="3143295"/>
+              <a:ext cx="1120050" cy="1120050"/>
+            </a:xfrm>
+            <a:prstGeom prst="ellipse">
+              <a:avLst/>
+            </a:prstGeom>
+            <a:solidFill>
+              <a:srgbClr val="FFFFFF">
+                <a:alpha val="100000"/>
+              </a:srgbClr>
+            </a:solidFill>
+            <a:ln w="36000" cap="rnd">
+              <a:solidFill>
+                <a:srgbClr val="01A3A2">
+                  <a:alpha val="100000"/>
+                </a:srgbClr>
+              </a:solidFill>
+              <a:prstDash val="solid"/>
+              <a:round/>
+            </a:ln>
+          </p:spPr>
+          <p:txBody>
+            <a:bodyPr/>
+            <a:lstStyle/>
+            <a:p/>
+          </p:txBody>
+        </p:sp>
+        <p:sp>
+          <p:nvSpPr>
+            <p:cNvPr id="9" name="pt8"/>
+            <p:cNvSpPr/>
+            <p:nvPr/>
+          </p:nvSpPr>
+          <p:spPr>
+            <a:xfrm>
+              <a:off x="8733177" y="3143295"/>
+              <a:ext cx="1120050" cy="1120050"/>
+            </a:xfrm>
+            <a:prstGeom prst="ellipse">
+              <a:avLst/>
+            </a:prstGeom>
+            <a:solidFill>
+              <a:srgbClr val="FFFFFF">
+                <a:alpha val="100000"/>
+              </a:srgbClr>
+            </a:solidFill>
+            <a:ln w="36000" cap="rnd">
+              <a:solidFill>
+                <a:srgbClr val="01A3A2">
+                  <a:alpha val="100000"/>
+                </a:srgbClr>
+              </a:solidFill>
+              <a:prstDash val="solid"/>
+              <a:round/>
+            </a:ln>
+          </p:spPr>
+          <p:txBody>
+            <a:bodyPr/>
+            <a:lstStyle/>
+            <a:p/>
+          </p:txBody>
+        </p:sp>
+        <p:sp>
+          <p:nvSpPr>
+            <p:cNvPr id="10" name="pt9"/>
+            <p:cNvSpPr/>
+            <p:nvPr/>
+          </p:nvSpPr>
+          <p:spPr>
+            <a:xfrm>
+              <a:off x="10864646" y="3143295"/>
+              <a:ext cx="1120050" cy="1120050"/>
+            </a:xfrm>
+            <a:prstGeom prst="ellipse">
+              <a:avLst/>
+            </a:prstGeom>
+            <a:solidFill>
+              <a:srgbClr val="FFFFFF">
+                <a:alpha val="100000"/>
+              </a:srgbClr>
+            </a:solidFill>
+            <a:ln w="36000" cap="rnd">
+              <a:solidFill>
+                <a:srgbClr val="01A3A2">
+                  <a:alpha val="100000"/>
+                </a:srgbClr>
+              </a:solidFill>
+              <a:prstDash val="solid"/>
+              <a:round/>
+            </a:ln>
+          </p:spPr>
+          <p:txBody>
+            <a:bodyPr/>
+            <a:lstStyle/>
+            <a:p/>
+          </p:txBody>
+        </p:sp>
+        <p:sp>
+          <p:nvSpPr>
+            <p:cNvPr id="11" name="tx10"/>
+            <p:cNvSpPr/>
+            <p:nvPr/>
+          </p:nvSpPr>
+          <p:spPr>
+            <a:xfrm>
+              <a:off x="441875" y="3615839"/>
+              <a:ext cx="650906" cy="246134"/>
+            </a:xfrm>
+            <a:prstGeom prst="rect">
+              <a:avLst/>
+            </a:prstGeom>
+            <a:noFill/>
+          </p:spPr>
+          <p:txBody>
+            <a:bodyPr lIns="0" rIns="0" tIns="0" bIns="0" anchorCtr="1" anchor="ctr" wrap="none"/>
+            <a:lstStyle/>
+            <a:p>
+              <a:pPr algn="l" marL="0" marR="0" indent="0">
+                <a:lnSpc>
+                  <a:spcPts val="2560"/>
+                </a:lnSpc>
+                <a:spcBef>
+                  <a:spcPts val="0"/>
+                </a:spcBef>
+                <a:spcAft>
+                  <a:spcPts val="0"/>
+                </a:spcAft>
+              </a:pPr>
+              <a:r>
+                <a:rPr sz="2560" b="1">
+                  <a:solidFill>
+                    <a:srgbClr val="333232">
+                      <a:alpha val="100000"/>
+                    </a:srgbClr>
+                  </a:solidFill>
+                  <a:latin typeface="Arial"/>
+                  <a:cs typeface="Arial"/>
+                </a:rPr>
+                <a:t>54%</a:t>
+              </a:r>
+            </a:p>
+          </p:txBody>
+        </p:sp>
+        <p:sp>
+          <p:nvSpPr>
+            <p:cNvPr id="12" name="tx11"/>
+            <p:cNvSpPr/>
+            <p:nvPr/>
+          </p:nvSpPr>
+          <p:spPr>
+            <a:xfrm>
+              <a:off x="2573344" y="3615839"/>
+              <a:ext cx="650906" cy="246134"/>
+            </a:xfrm>
+            <a:prstGeom prst="rect">
+              <a:avLst/>
+            </a:prstGeom>
+            <a:noFill/>
+          </p:spPr>
+          <p:txBody>
+            <a:bodyPr lIns="0" rIns="0" tIns="0" bIns="0" anchorCtr="1" anchor="ctr" wrap="none"/>
+            <a:lstStyle/>
+            <a:p>
+              <a:pPr algn="l" marL="0" marR="0" indent="0">
+                <a:lnSpc>
+                  <a:spcPts val="2560"/>
+                </a:lnSpc>
+                <a:spcBef>
+                  <a:spcPts val="0"/>
+                </a:spcBef>
+                <a:spcAft>
+                  <a:spcPts val="0"/>
+                </a:spcAft>
+              </a:pPr>
+              <a:r>
+                <a:rPr sz="2560" b="1">
+                  <a:solidFill>
+                    <a:srgbClr val="333232">
+                      <a:alpha val="100000"/>
+                    </a:srgbClr>
+                  </a:solidFill>
+                  <a:latin typeface="Arial"/>
+                  <a:cs typeface="Arial"/>
+                </a:rPr>
+                <a:t>53%</a:t>
+              </a:r>
+            </a:p>
+          </p:txBody>
+        </p:sp>
+        <p:sp>
+          <p:nvSpPr>
+            <p:cNvPr id="13" name="tx12"/>
+            <p:cNvSpPr/>
+            <p:nvPr/>
+          </p:nvSpPr>
+          <p:spPr>
+            <a:xfrm>
+              <a:off x="4704812" y="3615839"/>
+              <a:ext cx="650906" cy="246134"/>
+            </a:xfrm>
+            <a:prstGeom prst="rect">
+              <a:avLst/>
+            </a:prstGeom>
+            <a:noFill/>
+          </p:spPr>
+          <p:txBody>
+            <a:bodyPr lIns="0" rIns="0" tIns="0" bIns="0" anchorCtr="1" anchor="ctr" wrap="none"/>
+            <a:lstStyle/>
+            <a:p>
+              <a:pPr algn="l" marL="0" marR="0" indent="0">
+                <a:lnSpc>
+                  <a:spcPts val="2560"/>
+                </a:lnSpc>
+                <a:spcBef>
+                  <a:spcPts val="0"/>
+                </a:spcBef>
+                <a:spcAft>
+                  <a:spcPts val="0"/>
+                </a:spcAft>
+              </a:pPr>
+              <a:r>
+                <a:rPr sz="2560" b="1">
+                  <a:solidFill>
+                    <a:srgbClr val="333232">
+                      <a:alpha val="100000"/>
+                    </a:srgbClr>
+                  </a:solidFill>
+                  <a:latin typeface="Arial"/>
+                  <a:cs typeface="Arial"/>
+                </a:rPr>
+                <a:t>50%</a:t>
+              </a:r>
+            </a:p>
+          </p:txBody>
+        </p:sp>
+        <p:sp>
+          <p:nvSpPr>
+            <p:cNvPr id="14" name="tx13"/>
+            <p:cNvSpPr/>
+            <p:nvPr/>
+          </p:nvSpPr>
+          <p:spPr>
+            <a:xfrm>
+              <a:off x="6836281" y="3615839"/>
+              <a:ext cx="650906" cy="246134"/>
+            </a:xfrm>
+            <a:prstGeom prst="rect">
+              <a:avLst/>
+            </a:prstGeom>
+            <a:noFill/>
+          </p:spPr>
+          <p:txBody>
+            <a:bodyPr lIns="0" rIns="0" tIns="0" bIns="0" anchorCtr="1" anchor="ctr" wrap="none"/>
+            <a:lstStyle/>
+            <a:p>
+              <a:pPr algn="l" marL="0" marR="0" indent="0">
+                <a:lnSpc>
+                  <a:spcPts val="2560"/>
+                </a:lnSpc>
+                <a:spcBef>
+                  <a:spcPts val="0"/>
+                </a:spcBef>
+                <a:spcAft>
+                  <a:spcPts val="0"/>
+                </a:spcAft>
+              </a:pPr>
+              <a:r>
+                <a:rPr sz="2560" b="1">
+                  <a:solidFill>
+                    <a:srgbClr val="333232">
+                      <a:alpha val="100000"/>
+                    </a:srgbClr>
+                  </a:solidFill>
+                  <a:latin typeface="Arial"/>
+                  <a:cs typeface="Arial"/>
+                </a:rPr>
+                <a:t>63%</a:t>
+              </a:r>
+            </a:p>
+          </p:txBody>
+        </p:sp>
+        <p:sp>
+          <p:nvSpPr>
+            <p:cNvPr id="15" name="tx14"/>
+            <p:cNvSpPr/>
+            <p:nvPr/>
+          </p:nvSpPr>
+          <p:spPr>
+            <a:xfrm>
+              <a:off x="8967749" y="3615839"/>
+              <a:ext cx="650906" cy="246134"/>
+            </a:xfrm>
+            <a:prstGeom prst="rect">
+              <a:avLst/>
+            </a:prstGeom>
+            <a:noFill/>
+          </p:spPr>
+          <p:txBody>
+            <a:bodyPr lIns="0" rIns="0" tIns="0" bIns="0" anchorCtr="1" anchor="ctr" wrap="none"/>
+            <a:lstStyle/>
+            <a:p>
+              <a:pPr algn="l" marL="0" marR="0" indent="0">
+                <a:lnSpc>
+                  <a:spcPts val="2560"/>
+                </a:lnSpc>
+                <a:spcBef>
+                  <a:spcPts val="0"/>
+                </a:spcBef>
+                <a:spcAft>
+                  <a:spcPts val="0"/>
+                </a:spcAft>
+              </a:pPr>
+              <a:r>
+                <a:rPr sz="2560" b="1">
+                  <a:solidFill>
+                    <a:srgbClr val="333232">
+                      <a:alpha val="100000"/>
+                    </a:srgbClr>
+                  </a:solidFill>
+                  <a:latin typeface="Arial"/>
+                  <a:cs typeface="Arial"/>
+                </a:rPr>
+                <a:t>54%</a:t>
+              </a:r>
+            </a:p>
+          </p:txBody>
+        </p:sp>
+        <p:sp>
+          <p:nvSpPr>
+            <p:cNvPr id="16" name="tx15"/>
+            <p:cNvSpPr/>
+            <p:nvPr/>
+          </p:nvSpPr>
+          <p:spPr>
+            <a:xfrm>
+              <a:off x="11099218" y="3615839"/>
+              <a:ext cx="650906" cy="246134"/>
+            </a:xfrm>
+            <a:prstGeom prst="rect">
+              <a:avLst/>
+            </a:prstGeom>
+            <a:noFill/>
+          </p:spPr>
+          <p:txBody>
+            <a:bodyPr lIns="0" rIns="0" tIns="0" bIns="0" anchorCtr="1" anchor="ctr" wrap="none"/>
+            <a:lstStyle/>
+            <a:p>
+              <a:pPr algn="l" marL="0" marR="0" indent="0">
+                <a:lnSpc>
+                  <a:spcPts val="2560"/>
+                </a:lnSpc>
+                <a:spcBef>
+                  <a:spcPts val="0"/>
+                </a:spcBef>
+                <a:spcAft>
+                  <a:spcPts val="0"/>
+                </a:spcAft>
+              </a:pPr>
+              <a:r>
+                <a:rPr sz="2560" b="1">
+                  <a:solidFill>
+                    <a:srgbClr val="333232">
+                      <a:alpha val="100000"/>
+                    </a:srgbClr>
+                  </a:solidFill>
+                  <a:latin typeface="Arial"/>
+                  <a:cs typeface="Arial"/>
+                </a:rPr>
+                <a:t>51%</a:t>
+              </a:r>
+            </a:p>
+          </p:txBody>
+        </p:sp>
+        <p:sp>
+          <p:nvSpPr>
+            <p:cNvPr id="17" name="tx16"/>
+            <p:cNvSpPr/>
+            <p:nvPr/>
+          </p:nvSpPr>
+          <p:spPr>
+            <a:xfrm>
+              <a:off x="532310" y="2702810"/>
+              <a:ext cx="470037" cy="237559"/>
+            </a:xfrm>
+            <a:prstGeom prst="rect">
+              <a:avLst/>
+            </a:prstGeom>
+            <a:noFill/>
+          </p:spPr>
+          <p:txBody>
+            <a:bodyPr lIns="0" rIns="0" tIns="0" bIns="0" anchorCtr="1" anchor="ctr" wrap="none"/>
+            <a:lstStyle/>
+            <a:p>
+              <a:pPr algn="l" marL="0" marR="0" indent="0">
+                <a:lnSpc>
+                  <a:spcPts val="2560"/>
+                </a:lnSpc>
+                <a:spcBef>
+                  <a:spcPts val="0"/>
+                </a:spcBef>
+                <a:spcAft>
+                  <a:spcPts val="0"/>
+                </a:spcAft>
+              </a:pPr>
+              <a:r>
+                <a:rPr sz="2560" b="1">
+                  <a:solidFill>
+                    <a:srgbClr val="FFFFFF">
+                      <a:alpha val="100000"/>
+                    </a:srgbClr>
+                  </a:solidFill>
+                  <a:latin typeface="Arial"/>
+                  <a:cs typeface="Arial"/>
+                </a:rPr>
+                <a:t>1st</a:t>
+              </a:r>
+            </a:p>
+          </p:txBody>
+        </p:sp>
+        <p:sp>
+          <p:nvSpPr>
+            <p:cNvPr id="18" name="tx17"/>
+            <p:cNvSpPr/>
+            <p:nvPr/>
+          </p:nvSpPr>
+          <p:spPr>
+            <a:xfrm>
+              <a:off x="2654885" y="2703604"/>
+              <a:ext cx="487822" cy="236765"/>
+            </a:xfrm>
+            <a:prstGeom prst="rect">
+              <a:avLst/>
+            </a:prstGeom>
+            <a:noFill/>
+          </p:spPr>
+          <p:txBody>
+            <a:bodyPr lIns="0" rIns="0" tIns="0" bIns="0" anchorCtr="1" anchor="ctr" wrap="none"/>
+            <a:lstStyle/>
+            <a:p>
+              <a:pPr algn="l" marL="0" marR="0" indent="0">
+                <a:lnSpc>
+                  <a:spcPts val="2560"/>
+                </a:lnSpc>
+                <a:spcBef>
+                  <a:spcPts val="0"/>
+                </a:spcBef>
+                <a:spcAft>
+                  <a:spcPts val="0"/>
+                </a:spcAft>
+              </a:pPr>
+              <a:r>
+                <a:rPr sz="2560" b="1">
+                  <a:solidFill>
+                    <a:srgbClr val="FFFFFF">
+                      <a:alpha val="100000"/>
+                    </a:srgbClr>
+                  </a:solidFill>
+                  <a:latin typeface="Arial"/>
+                  <a:cs typeface="Arial"/>
+                </a:rPr>
+                <a:t>5th</a:t>
+              </a:r>
+            </a:p>
+          </p:txBody>
+        </p:sp>
+        <p:sp>
+          <p:nvSpPr>
+            <p:cNvPr id="19" name="tx18"/>
+            <p:cNvSpPr/>
+            <p:nvPr/>
+          </p:nvSpPr>
+          <p:spPr>
+            <a:xfrm>
+              <a:off x="4695919" y="2702651"/>
+              <a:ext cx="668691" cy="237718"/>
+            </a:xfrm>
+            <a:prstGeom prst="rect">
+              <a:avLst/>
+            </a:prstGeom>
+            <a:noFill/>
+          </p:spPr>
+          <p:txBody>
+            <a:bodyPr lIns="0" rIns="0" tIns="0" bIns="0" anchorCtr="1" anchor="ctr" wrap="none"/>
+            <a:lstStyle/>
+            <a:p>
+              <a:pPr algn="l" marL="0" marR="0" indent="0">
+                <a:lnSpc>
+                  <a:spcPts val="2560"/>
+                </a:lnSpc>
+                <a:spcBef>
+                  <a:spcPts val="0"/>
+                </a:spcBef>
+                <a:spcAft>
+                  <a:spcPts val="0"/>
+                </a:spcAft>
+              </a:pPr>
+              <a:r>
+                <a:rPr sz="2560" b="1">
+                  <a:solidFill>
+                    <a:srgbClr val="FFFFFF">
+                      <a:alpha val="100000"/>
+                    </a:srgbClr>
+                  </a:solidFill>
+                  <a:latin typeface="Arial"/>
+                  <a:cs typeface="Arial"/>
+                </a:rPr>
+                <a:t>10th</a:t>
+              </a:r>
+            </a:p>
+          </p:txBody>
+        </p:sp>
+        <p:sp>
+          <p:nvSpPr>
+            <p:cNvPr id="20" name="tx19"/>
+            <p:cNvSpPr/>
+            <p:nvPr/>
+          </p:nvSpPr>
+          <p:spPr>
+            <a:xfrm>
+              <a:off x="6827388" y="2702651"/>
+              <a:ext cx="668691" cy="237718"/>
+            </a:xfrm>
+            <a:prstGeom prst="rect">
+              <a:avLst/>
+            </a:prstGeom>
+            <a:noFill/>
+          </p:spPr>
+          <p:txBody>
+            <a:bodyPr lIns="0" rIns="0" tIns="0" bIns="0" anchorCtr="1" anchor="ctr" wrap="none"/>
+            <a:lstStyle/>
+            <a:p>
+              <a:pPr algn="l" marL="0" marR="0" indent="0">
+                <a:lnSpc>
+                  <a:spcPts val="2560"/>
+                </a:lnSpc>
+                <a:spcBef>
+                  <a:spcPts val="0"/>
+                </a:spcBef>
+                <a:spcAft>
+                  <a:spcPts val="0"/>
+                </a:spcAft>
+              </a:pPr>
+              <a:r>
+                <a:rPr sz="2560" b="1">
+                  <a:solidFill>
+                    <a:srgbClr val="FFFFFF">
+                      <a:alpha val="100000"/>
+                    </a:srgbClr>
+                  </a:solidFill>
+                  <a:latin typeface="Arial"/>
+                  <a:cs typeface="Arial"/>
+                </a:rPr>
+                <a:t>15th</a:t>
+              </a:r>
+            </a:p>
+          </p:txBody>
+        </p:sp>
+        <p:sp>
+          <p:nvSpPr>
+            <p:cNvPr id="21" name="tx20"/>
+            <p:cNvSpPr/>
+            <p:nvPr/>
+          </p:nvSpPr>
+          <p:spPr>
+            <a:xfrm>
+              <a:off x="8958857" y="2702651"/>
+              <a:ext cx="668691" cy="237718"/>
+            </a:xfrm>
+            <a:prstGeom prst="rect">
+              <a:avLst/>
+            </a:prstGeom>
+            <a:noFill/>
+          </p:spPr>
+          <p:txBody>
+            <a:bodyPr lIns="0" rIns="0" tIns="0" bIns="0" anchorCtr="1" anchor="ctr" wrap="none"/>
+            <a:lstStyle/>
+            <a:p>
+              <a:pPr algn="l" marL="0" marR="0" indent="0">
+                <a:lnSpc>
+                  <a:spcPts val="2560"/>
+                </a:lnSpc>
+                <a:spcBef>
+                  <a:spcPts val="0"/>
+                </a:spcBef>
+                <a:spcAft>
+                  <a:spcPts val="0"/>
+                </a:spcAft>
+              </a:pPr>
+              <a:r>
+                <a:rPr sz="2560" b="1">
+                  <a:solidFill>
+                    <a:srgbClr val="FFFFFF">
+                      <a:alpha val="100000"/>
+                    </a:srgbClr>
+                  </a:solidFill>
+                  <a:latin typeface="Arial"/>
+                  <a:cs typeface="Arial"/>
+                </a:rPr>
+                <a:t>20th</a:t>
+              </a:r>
+            </a:p>
+          </p:txBody>
+        </p:sp>
+        <p:sp>
+          <p:nvSpPr>
+            <p:cNvPr id="22" name="tx21"/>
+            <p:cNvSpPr/>
+            <p:nvPr/>
+          </p:nvSpPr>
+          <p:spPr>
+            <a:xfrm>
+              <a:off x="11090325" y="2702651"/>
+              <a:ext cx="668691" cy="237718"/>
+            </a:xfrm>
+            <a:prstGeom prst="rect">
+              <a:avLst/>
+            </a:prstGeom>
+            <a:noFill/>
+          </p:spPr>
+          <p:txBody>
+            <a:bodyPr lIns="0" rIns="0" tIns="0" bIns="0" anchorCtr="1" anchor="ctr" wrap="none"/>
+            <a:lstStyle/>
+            <a:p>
+              <a:pPr algn="l" marL="0" marR="0" indent="0">
+                <a:lnSpc>
+                  <a:spcPts val="2560"/>
+                </a:lnSpc>
+                <a:spcBef>
+                  <a:spcPts val="0"/>
+                </a:spcBef>
+                <a:spcAft>
+                  <a:spcPts val="0"/>
+                </a:spcAft>
+              </a:pPr>
+              <a:r>
+                <a:rPr sz="2560" b="1">
+                  <a:solidFill>
+                    <a:srgbClr val="FFFFFF">
+                      <a:alpha val="100000"/>
+                    </a:srgbClr>
+                  </a:solidFill>
+                  <a:latin typeface="Arial"/>
+                  <a:cs typeface="Arial"/>
+                </a:rPr>
+                <a:t>25th</a:t>
+              </a:r>
+            </a:p>
+          </p:txBody>
+        </p:sp>
+      </p:grpSp>
+    </p:spTree>
+  </p:cSld>
+  <p:clrMapOvr>
+    <a:masterClrMapping/>
+  </p:clrMapOvr>
+</p:sld>
+</file>
+
 <file path=ppt/slides/slide3.xml><?xml version="1.0" encoding="utf-8"?>
 <p:sld xmlns:a="http://schemas.openxmlformats.org/drawingml/2006/main" xmlns:r="http://schemas.openxmlformats.org/officeDocument/2006/relationships" xmlns:p="http://schemas.openxmlformats.org/presentationml/2006/main">
   <p:cSld>
